--- a/presentations/SSA_CNSPoster_Kathios.pptx
+++ b/presentations/SSA_CNSPoster_Kathios.pptx
@@ -262,7 +262,7 @@
       <p15:sldGuideLst xmlns:p15="http://schemas.microsoft.com/office/powerpoint/2012/main"/>
     </p:ext>
     <p:ext uri="http://customooxmlschemas.google.com/">
-      <go:slidesCustomData xmlns="" xmlns:mc="http://schemas.openxmlformats.org/markup-compatibility/2006" xmlns:mv="urn:schemas-microsoft-com:mac:vml" xmlns:c="http://schemas.openxmlformats.org/drawingml/2006/chart" xmlns:dgm="http://schemas.openxmlformats.org/drawingml/2006/diagram" xmlns:o="urn:schemas-microsoft-com:office:office" xmlns:v="urn:schemas-microsoft-com:vml" xmlns:pvml="urn:schemas-microsoft-com:office:powerpoint" xmlns:com="http://schemas.openxmlformats.org/drawingml/2006/compatibility" xmlns:p14="http://schemas.microsoft.com/office/powerpoint/2010/main" xmlns:p15="http://schemas.microsoft.com/office/powerpoint/2012/main" xmlns:ahyp="http://schemas.microsoft.com/office/drawing/2018/hyperlinkcolor" xmlns:go="http://customooxmlschemas.google.com/" r:id="rId12" roundtripDataSignature="AMtx7mgUZ/EanI988gELEzf8evnhnh3MyA=="/>
+      <go:slidesCustomData xmlns:go="http://customooxmlschemas.google.com/" xmlns:ahyp="http://schemas.microsoft.com/office/drawing/2018/hyperlinkcolor" xmlns:p15="http://schemas.microsoft.com/office/powerpoint/2012/main" xmlns:p14="http://schemas.microsoft.com/office/powerpoint/2010/main" xmlns:com="http://schemas.openxmlformats.org/drawingml/2006/compatibility" xmlns:pvml="urn:schemas-microsoft-com:office:powerpoint" xmlns:v="urn:schemas-microsoft-com:vml" xmlns:o="urn:schemas-microsoft-com:office:office" xmlns:dgm="http://schemas.openxmlformats.org/drawingml/2006/diagram" xmlns:c="http://schemas.openxmlformats.org/drawingml/2006/chart" xmlns:mv="urn:schemas-microsoft-com:mac:vml" xmlns:mc="http://schemas.openxmlformats.org/markup-compatibility/2006" xmlns="" r:id="rId12" roundtripDataSignature="AMtx7mgUZ/EanI988gELEzf8evnhnh3MyA=="/>
     </p:ext>
   </p:extLst>
 </p:presentation>
@@ -11121,14 +11121,17 @@
                 <a:solidFill>
                   <a:schemeClr val="lt1"/>
                 </a:solidFill>
-                <a:latin typeface="Helvetica Neue"/>
+                <a:latin typeface="Calibri" panose="020F0502020204030204" pitchFamily="34" charset="0"/>
                 <a:ea typeface="Helvetica Neue"/>
-                <a:cs typeface="Helvetica Neue"/>
+                <a:cs typeface="Calibri" panose="020F0502020204030204" pitchFamily="34" charset="0"/>
                 <a:sym typeface="Helvetica Neue"/>
               </a:rPr>
-              <a:t>When You Heard it First: Age of Exposure Affects Functional Connectivity between mPFC, Auditory, and Reward Networks </a:t>
+              <a:t>When You Heard it First: Age of Exposure Affects Functional Connectivity between Auditory and Reward Networks </a:t>
             </a:r>
-            <a:endParaRPr dirty="0"/>
+            <a:endParaRPr dirty="0">
+              <a:latin typeface="Calibri" panose="020F0502020204030204" pitchFamily="34" charset="0"/>
+              <a:cs typeface="Calibri" panose="020F0502020204030204" pitchFamily="34" charset="0"/>
+            </a:endParaRPr>
           </a:p>
           <a:p>
             <a:pPr lvl="0" algn="ctr"/>
@@ -11137,9 +11140,9 @@
                 <a:solidFill>
                   <a:schemeClr val="lt1"/>
                 </a:solidFill>
-                <a:latin typeface="Helvetica Neue"/>
+                <a:latin typeface="Calibri" panose="020F0502020204030204" pitchFamily="34" charset="0"/>
                 <a:ea typeface="Helvetica Neue"/>
-                <a:cs typeface="Helvetica Neue"/>
+                <a:cs typeface="Calibri" panose="020F0502020204030204" pitchFamily="34" charset="0"/>
                 <a:sym typeface="Helvetica Neue"/>
               </a:rPr>
               <a:t>Nicholas Kathios</a:t>
@@ -11149,9 +11152,9 @@
                 <a:solidFill>
                   <a:schemeClr val="lt1"/>
                 </a:solidFill>
-                <a:latin typeface="Helvetica Neue"/>
+                <a:latin typeface="Calibri" panose="020F0502020204030204" pitchFamily="34" charset="0"/>
                 <a:ea typeface="Helvetica Neue"/>
-                <a:cs typeface="Helvetica Neue"/>
+                <a:cs typeface="Calibri" panose="020F0502020204030204" pitchFamily="34" charset="0"/>
                 <a:sym typeface="Helvetica Neue"/>
               </a:rPr>
               <a:t>1</a:t>
@@ -11161,9 +11164,9 @@
                 <a:solidFill>
                   <a:schemeClr val="lt1"/>
                 </a:solidFill>
-                <a:latin typeface="Helvetica Neue"/>
+                <a:latin typeface="Calibri" panose="020F0502020204030204" pitchFamily="34" charset="0"/>
                 <a:ea typeface="Helvetica Neue"/>
-                <a:cs typeface="Helvetica Neue"/>
+                <a:cs typeface="Calibri" panose="020F0502020204030204" pitchFamily="34" charset="0"/>
                 <a:sym typeface="Helvetica Neue"/>
               </a:rPr>
               <a:t>, Milena Aiello Quinci</a:t>
@@ -11173,9 +11176,9 @@
                 <a:solidFill>
                   <a:schemeClr val="lt1"/>
                 </a:solidFill>
-                <a:latin typeface="Helvetica Neue"/>
+                <a:latin typeface="Calibri" panose="020F0502020204030204" pitchFamily="34" charset="0"/>
                 <a:ea typeface="Helvetica Neue"/>
-                <a:cs typeface="Helvetica Neue"/>
+                <a:cs typeface="Calibri" panose="020F0502020204030204" pitchFamily="34" charset="0"/>
                 <a:sym typeface="Helvetica Neue"/>
               </a:rPr>
               <a:t>1</a:t>
@@ -11185,9 +11188,9 @@
                 <a:solidFill>
                   <a:schemeClr val="lt1"/>
                 </a:solidFill>
-                <a:latin typeface="Helvetica Neue"/>
+                <a:latin typeface="Calibri" panose="020F0502020204030204" pitchFamily="34" charset="0"/>
                 <a:ea typeface="Helvetica Neue"/>
-                <a:cs typeface="Helvetica Neue"/>
+                <a:cs typeface="Calibri" panose="020F0502020204030204" pitchFamily="34" charset="0"/>
                 <a:sym typeface="Helvetica Neue"/>
               </a:rPr>
               <a:t>, Psyche Loui</a:t>
@@ -11197,9 +11200,9 @@
                 <a:solidFill>
                   <a:schemeClr val="lt1"/>
                 </a:solidFill>
-                <a:latin typeface="Helvetica Neue"/>
+                <a:latin typeface="Calibri" panose="020F0502020204030204" pitchFamily="34" charset="0"/>
                 <a:ea typeface="Helvetica Neue"/>
-                <a:cs typeface="Helvetica Neue"/>
+                <a:cs typeface="Calibri" panose="020F0502020204030204" pitchFamily="34" charset="0"/>
                 <a:sym typeface="Helvetica Neue"/>
               </a:rPr>
               <a:t>1</a:t>
@@ -11209,14 +11212,17 @@
                 <a:solidFill>
                   <a:schemeClr val="lt1"/>
                 </a:solidFill>
-                <a:latin typeface="Helvetica Neue"/>
+                <a:latin typeface="Calibri" panose="020F0502020204030204" pitchFamily="34" charset="0"/>
                 <a:ea typeface="Helvetica Neue"/>
-                <a:cs typeface="Helvetica Neue"/>
+                <a:cs typeface="Calibri" panose="020F0502020204030204" pitchFamily="34" charset="0"/>
                 <a:sym typeface="Helvetica Neue"/>
               </a:rPr>
               <a:t>  </a:t>
             </a:r>
-            <a:endParaRPr dirty="0"/>
+            <a:endParaRPr dirty="0">
+              <a:latin typeface="Calibri" panose="020F0502020204030204" pitchFamily="34" charset="0"/>
+              <a:cs typeface="Calibri" panose="020F0502020204030204" pitchFamily="34" charset="0"/>
+            </a:endParaRPr>
           </a:p>
           <a:p>
             <a:pPr marL="0" marR="0" lvl="0" indent="0" algn="ctr" rtl="0">
@@ -11233,9 +11239,9 @@
                 <a:solidFill>
                   <a:schemeClr val="lt1"/>
                 </a:solidFill>
-                <a:latin typeface="Helvetica Neue"/>
+                <a:latin typeface="Calibri" panose="020F0502020204030204" pitchFamily="34" charset="0"/>
                 <a:ea typeface="Helvetica Neue"/>
-                <a:cs typeface="Helvetica Neue"/>
+                <a:cs typeface="Calibri" panose="020F0502020204030204" pitchFamily="34" charset="0"/>
                 <a:sym typeface="Helvetica Neue"/>
               </a:rPr>
               <a:t>1</a:t>
@@ -11245,14 +11251,17 @@
                 <a:solidFill>
                   <a:schemeClr val="lt1"/>
                 </a:solidFill>
-                <a:latin typeface="Helvetica Neue"/>
+                <a:latin typeface="Calibri" panose="020F0502020204030204" pitchFamily="34" charset="0"/>
                 <a:ea typeface="Helvetica Neue"/>
-                <a:cs typeface="Helvetica Neue"/>
+                <a:cs typeface="Calibri" panose="020F0502020204030204" pitchFamily="34" charset="0"/>
                 <a:sym typeface="Helvetica Neue"/>
               </a:rPr>
               <a:t>Northeastern University</a:t>
             </a:r>
-            <a:endParaRPr dirty="0"/>
+            <a:endParaRPr dirty="0">
+              <a:latin typeface="Calibri" panose="020F0502020204030204" pitchFamily="34" charset="0"/>
+              <a:cs typeface="Calibri" panose="020F0502020204030204" pitchFamily="34" charset="0"/>
+            </a:endParaRPr>
           </a:p>
         </p:txBody>
       </p:sp>
@@ -11385,42 +11394,6 @@
               </a:spcAft>
               <a:buNone/>
             </a:pPr>
-            <a:r>
-              <a:rPr lang="en-US" sz="3200" dirty="0">
-                <a:solidFill>
-                  <a:schemeClr val="dk1"/>
-                </a:solidFill>
-                <a:latin typeface="Helvetica Neue"/>
-                <a:ea typeface="Helvetica Neue"/>
-                <a:cs typeface="Helvetica Neue"/>
-                <a:sym typeface="Helvetica Neue"/>
-              </a:rPr>
-              <a:t>Self-selected music elicited greater activity than other-selected music in the precuneus, cingulate, TPJ, cerebellum, precentral gyrus, superior frontal gyrus, middle temporal gyrus, middle frontal gyrus, OFC, supramarginal gyrus, STG, </a:t>
-            </a:r>
-            <a:r>
-              <a:rPr lang="en-US" sz="3200" dirty="0" err="1">
-                <a:solidFill>
-                  <a:schemeClr val="dk1"/>
-                </a:solidFill>
-                <a:latin typeface="Helvetica Neue"/>
-                <a:ea typeface="Helvetica Neue"/>
-                <a:cs typeface="Helvetica Neue"/>
-                <a:sym typeface="Helvetica Neue"/>
-              </a:rPr>
-              <a:t>Heschl’s</a:t>
-            </a:r>
-            <a:r>
-              <a:rPr lang="en-US" sz="3200" dirty="0">
-                <a:solidFill>
-                  <a:schemeClr val="dk1"/>
-                </a:solidFill>
-                <a:latin typeface="Helvetica Neue"/>
-                <a:ea typeface="Helvetica Neue"/>
-                <a:cs typeface="Helvetica Neue"/>
-                <a:sym typeface="Helvetica Neue"/>
-              </a:rPr>
-              <a:t> gyrus. No significant clusters were observed at the post-intervention level. </a:t>
-            </a:r>
             <a:endParaRPr sz="3200" dirty="0">
               <a:solidFill>
                 <a:schemeClr val="dk1"/>
@@ -11810,178 +11783,6 @@
               <a:cs typeface="Calibri"/>
               <a:sym typeface="Calibri"/>
             </a:endParaRPr>
-          </a:p>
-          <a:p>
-            <a:pPr marL="457200" marR="0" lvl="0" indent="-457200" algn="l" rtl="0">
-              <a:spcBef>
-                <a:spcPts val="0"/>
-              </a:spcBef>
-              <a:spcAft>
-                <a:spcPts val="0"/>
-              </a:spcAft>
-              <a:buClr>
-                <a:schemeClr val="dk1"/>
-              </a:buClr>
-              <a:buSzPts val="3200"/>
-              <a:buFont typeface="Arial"/>
-              <a:buChar char="•"/>
-            </a:pPr>
-            <a:r>
-              <a:rPr lang="en-US" sz="3200" dirty="0">
-                <a:solidFill>
-                  <a:schemeClr val="dk1"/>
-                </a:solidFill>
-                <a:latin typeface="Helvetica Neue"/>
-                <a:ea typeface="Helvetica Neue"/>
-                <a:cs typeface="Helvetica Neue"/>
-                <a:sym typeface="Helvetica Neue"/>
-              </a:rPr>
-              <a:t>Both self-selected and other-selected music elicited activity in auditory areas, specifically the STG, with greater activity for self-selected music. </a:t>
-            </a:r>
-            <a:endParaRPr dirty="0"/>
-          </a:p>
-          <a:p>
-            <a:pPr marL="457200" marR="0" lvl="0" indent="-457200" algn="l" rtl="0">
-              <a:spcBef>
-                <a:spcPts val="0"/>
-              </a:spcBef>
-              <a:spcAft>
-                <a:spcPts val="0"/>
-              </a:spcAft>
-              <a:buClr>
-                <a:schemeClr val="dk1"/>
-              </a:buClr>
-              <a:buSzPts val="3200"/>
-              <a:buFont typeface="Arial"/>
-              <a:buChar char="•"/>
-            </a:pPr>
-            <a:r>
-              <a:rPr lang="en-US" sz="3200" dirty="0">
-                <a:solidFill>
-                  <a:schemeClr val="dk1"/>
-                </a:solidFill>
-                <a:latin typeface="Helvetica Neue"/>
-                <a:ea typeface="Helvetica Neue"/>
-                <a:cs typeface="Helvetica Neue"/>
-                <a:sym typeface="Helvetica Neue"/>
-              </a:rPr>
-              <a:t>Self-selected music elicited greater activity in reward regions and DMN regions, such as the mPFC and PCC, compared to other-selected music.</a:t>
-            </a:r>
-            <a:endParaRPr dirty="0"/>
-          </a:p>
-          <a:p>
-            <a:pPr marL="457200" marR="0" lvl="0" indent="-457200" algn="l" rtl="0">
-              <a:spcBef>
-                <a:spcPts val="0"/>
-              </a:spcBef>
-              <a:spcAft>
-                <a:spcPts val="0"/>
-              </a:spcAft>
-              <a:buClr>
-                <a:schemeClr val="dk1"/>
-              </a:buClr>
-              <a:buSzPts val="3200"/>
-              <a:buFont typeface="Arial"/>
-              <a:buChar char="•"/>
-            </a:pPr>
-            <a:r>
-              <a:rPr lang="en-US" sz="3200" dirty="0">
-                <a:solidFill>
-                  <a:schemeClr val="dk1"/>
-                </a:solidFill>
-                <a:latin typeface="Helvetica Neue"/>
-                <a:ea typeface="Helvetica Neue"/>
-                <a:cs typeface="Helvetica Neue"/>
-                <a:sym typeface="Helvetica Neue"/>
-              </a:rPr>
-              <a:t>Other-selected music elicited widespread deactivation compared to self-selected music, resulting in a positive self-selected &gt; other-selected contrast. </a:t>
-            </a:r>
-            <a:endParaRPr dirty="0"/>
-          </a:p>
-          <a:p>
-            <a:pPr marL="457200" marR="0" lvl="0" indent="-457200" algn="l" rtl="0">
-              <a:spcBef>
-                <a:spcPts val="0"/>
-              </a:spcBef>
-              <a:spcAft>
-                <a:spcPts val="0"/>
-              </a:spcAft>
-              <a:buClr>
-                <a:schemeClr val="dk1"/>
-              </a:buClr>
-              <a:buSzPts val="3200"/>
-              <a:buFont typeface="Arial"/>
-              <a:buChar char="•"/>
-            </a:pPr>
-            <a:r>
-              <a:rPr lang="en-US" sz="3200" dirty="0">
-                <a:solidFill>
-                  <a:schemeClr val="dk1"/>
-                </a:solidFill>
-                <a:latin typeface="Helvetica Neue"/>
-                <a:ea typeface="Helvetica Neue"/>
-                <a:cs typeface="Helvetica Neue"/>
-                <a:sym typeface="Helvetica Neue"/>
-              </a:rPr>
-              <a:t>Greater engagement was observed pre-intervention compared to post-intervention for both self-selected and other-selected music.</a:t>
-            </a:r>
-            <a:endParaRPr dirty="0"/>
-          </a:p>
-          <a:p>
-            <a:pPr marL="0" marR="0" lvl="0" indent="0" algn="l" rtl="0">
-              <a:spcBef>
-                <a:spcPts val="0"/>
-              </a:spcBef>
-              <a:spcAft>
-                <a:spcPts val="0"/>
-              </a:spcAft>
-              <a:buNone/>
-            </a:pPr>
-            <a:endParaRPr sz="3200" dirty="0">
-              <a:solidFill>
-                <a:schemeClr val="dk1"/>
-              </a:solidFill>
-              <a:latin typeface="Helvetica Neue"/>
-              <a:ea typeface="Helvetica Neue"/>
-              <a:cs typeface="Helvetica Neue"/>
-              <a:sym typeface="Helvetica Neue"/>
-            </a:endParaRPr>
-          </a:p>
-          <a:p>
-            <a:pPr marL="0" marR="0" lvl="0" indent="0" algn="l" rtl="0">
-              <a:spcBef>
-                <a:spcPts val="0"/>
-              </a:spcBef>
-              <a:spcAft>
-                <a:spcPts val="0"/>
-              </a:spcAft>
-              <a:buNone/>
-            </a:pPr>
-            <a:r>
-              <a:rPr lang="en-US" sz="3200" b="1" dirty="0">
-                <a:solidFill>
-                  <a:schemeClr val="dk1"/>
-                </a:solidFill>
-                <a:latin typeface="Helvetica Neue"/>
-                <a:ea typeface="Helvetica Neue"/>
-                <a:cs typeface="Helvetica Neue"/>
-                <a:sym typeface="Helvetica Neue"/>
-              </a:rPr>
-              <a:t>Future Directions and Plans: </a:t>
-            </a:r>
-            <a:r>
-              <a:rPr lang="en-US" sz="3200" dirty="0">
-                <a:solidFill>
-                  <a:schemeClr val="dk1"/>
-                </a:solidFill>
-                <a:latin typeface="Helvetica Neue"/>
-                <a:ea typeface="Helvetica Neue"/>
-                <a:cs typeface="Helvetica Neue"/>
-                <a:sym typeface="Helvetica Neue"/>
-              </a:rPr>
-              <a:t>Future plans for this project include 1) recruiting a larger sample of older adults and 2) incorporating a control intervention to test the impact of music relative to other interventions.</a:t>
-            </a:r>
-            <a:endParaRPr dirty="0"/>
           </a:p>
           <a:p>
             <a:pPr marL="0" marR="0" lvl="0" indent="0" algn="l" rtl="0">
@@ -12508,8 +12309,8 @@
         </p:blipFill>
         <p:spPr>
           <a:xfrm>
-            <a:off x="1344707" y="2287301"/>
-            <a:ext cx="4037631" cy="3729523"/>
+            <a:off x="1344707" y="2944337"/>
+            <a:ext cx="3314379" cy="3072487"/>
           </a:xfrm>
           <a:prstGeom prst="rect">
             <a:avLst/>
@@ -12535,8 +12336,8 @@
         </p:blipFill>
         <p:spPr>
           <a:xfrm>
-            <a:off x="37500643" y="2346462"/>
-            <a:ext cx="4561757" cy="3433685"/>
+            <a:off x="37500644" y="2944337"/>
+            <a:ext cx="3908614" cy="2835810"/>
           </a:xfrm>
           <a:prstGeom prst="rect">
             <a:avLst/>
@@ -12651,30 +12452,21 @@
               <a:buNone/>
             </a:pPr>
             <a:r>
-              <a:rPr lang="en-US" sz="6000" b="1">
+              <a:rPr lang="en-US" sz="6000" b="1" dirty="0">
                 <a:solidFill>
                   <a:schemeClr val="lt1"/>
                 </a:solidFill>
-                <a:latin typeface="Helvetica Neue"/>
+                <a:latin typeface="Calibri" panose="020F0502020204030204" pitchFamily="34" charset="0"/>
                 <a:ea typeface="Helvetica Neue"/>
-                <a:cs typeface="Helvetica Neue"/>
+                <a:cs typeface="Calibri" panose="020F0502020204030204" pitchFamily="34" charset="0"/>
                 <a:sym typeface="Helvetica Neue"/>
               </a:rPr>
-              <a:t>Discussion</a:t>
+              <a:t>Discussion </a:t>
             </a:r>
-            <a:r>
-              <a:rPr lang="en-US" sz="4800" b="1">
-                <a:solidFill>
-                  <a:schemeClr val="lt1"/>
-                </a:solidFill>
-                <a:latin typeface="Helvetica Neue"/>
-                <a:ea typeface="Helvetica Neue"/>
-                <a:cs typeface="Helvetica Neue"/>
-                <a:sym typeface="Helvetica Neue"/>
-              </a:rPr>
-              <a:t> </a:t>
-            </a:r>
-            <a:endParaRPr/>
+            <a:endParaRPr sz="6000" dirty="0">
+              <a:latin typeface="Calibri" panose="020F0502020204030204" pitchFamily="34" charset="0"/>
+              <a:cs typeface="Calibri" panose="020F0502020204030204" pitchFamily="34" charset="0"/>
+            </a:endParaRPr>
           </a:p>
         </p:txBody>
       </p:sp>
@@ -12721,18 +12513,21 @@
               <a:buNone/>
             </a:pPr>
             <a:r>
-              <a:rPr lang="en-US" sz="6000" b="1">
+              <a:rPr lang="en-US" sz="6000" b="1" dirty="0">
                 <a:solidFill>
                   <a:schemeClr val="lt1"/>
                 </a:solidFill>
-                <a:latin typeface="Helvetica Neue"/>
+                <a:latin typeface="Calibri" panose="020F0502020204030204" pitchFamily="34" charset="0"/>
                 <a:ea typeface="Helvetica Neue"/>
-                <a:cs typeface="Helvetica Neue"/>
+                <a:cs typeface="Calibri" panose="020F0502020204030204" pitchFamily="34" charset="0"/>
                 <a:sym typeface="Helvetica Neue"/>
               </a:rPr>
               <a:t>References </a:t>
             </a:r>
-            <a:endParaRPr/>
+            <a:endParaRPr dirty="0">
+              <a:latin typeface="Calibri" panose="020F0502020204030204" pitchFamily="34" charset="0"/>
+              <a:cs typeface="Calibri" panose="020F0502020204030204" pitchFamily="34" charset="0"/>
+            </a:endParaRPr>
           </a:p>
         </p:txBody>
       </p:sp>
@@ -12779,199 +12574,20 @@
               <a:buNone/>
             </a:pPr>
             <a:r>
-              <a:rPr lang="en-US" sz="4800" b="1">
+              <a:rPr lang="en-US" sz="6000" b="1" dirty="0">
                 <a:solidFill>
                   <a:schemeClr val="lt1"/>
                 </a:solidFill>
-                <a:latin typeface="Helvetica Neue"/>
+                <a:latin typeface="Calibri" panose="020F0502020204030204" pitchFamily="34" charset="0"/>
                 <a:ea typeface="Helvetica Neue"/>
-                <a:cs typeface="Helvetica Neue"/>
+                <a:cs typeface="Calibri" panose="020F0502020204030204" pitchFamily="34" charset="0"/>
                 <a:sym typeface="Helvetica Neue"/>
               </a:rPr>
-              <a:t> </a:t>
+              <a:t>ROI-ROI Connectivity Matrices</a:t>
             </a:r>
-            <a:r>
-              <a:rPr lang="en-US" sz="6000" b="1">
-                <a:solidFill>
-                  <a:schemeClr val="lt1"/>
-                </a:solidFill>
-                <a:latin typeface="Helvetica Neue"/>
-                <a:ea typeface="Helvetica Neue"/>
-                <a:cs typeface="Helvetica Neue"/>
-                <a:sym typeface="Helvetica Neue"/>
-              </a:rPr>
-              <a:t>Self-Selected &gt; Other-Selected</a:t>
-            </a:r>
-            <a:endParaRPr/>
-          </a:p>
-        </p:txBody>
-      </p:sp>
-      <p:pic>
-        <p:nvPicPr>
-          <p:cNvPr id="116" name="Google Shape;116;p1"/>
-          <p:cNvPicPr preferRelativeResize="0"/>
-          <p:nvPr/>
-        </p:nvPicPr>
-        <p:blipFill rotWithShape="1">
-          <a:blip r:embed="rId5">
-            <a:alphaModFix/>
-          </a:blip>
-          <a:srcRect/>
-          <a:stretch/>
-        </p:blipFill>
-        <p:spPr>
-          <a:xfrm>
-            <a:off x="29827602" y="15000197"/>
-            <a:ext cx="13023465" cy="2484984"/>
-          </a:xfrm>
-          <a:prstGeom prst="rect">
-            <a:avLst/>
-          </a:prstGeom>
-          <a:noFill/>
-          <a:ln>
-            <a:noFill/>
-          </a:ln>
-        </p:spPr>
-      </p:pic>
-      <p:pic>
-        <p:nvPicPr>
-          <p:cNvPr id="117" name="Google Shape;117;p1"/>
-          <p:cNvPicPr preferRelativeResize="0"/>
-          <p:nvPr/>
-        </p:nvPicPr>
-        <p:blipFill rotWithShape="1">
-          <a:blip r:embed="rId6">
-            <a:alphaModFix/>
-          </a:blip>
-          <a:srcRect/>
-          <a:stretch/>
-        </p:blipFill>
-        <p:spPr>
-          <a:xfrm>
-            <a:off x="29827601" y="11840953"/>
-            <a:ext cx="13017347" cy="2487168"/>
-          </a:xfrm>
-          <a:prstGeom prst="rect">
-            <a:avLst/>
-          </a:prstGeom>
-          <a:noFill/>
-          <a:ln>
-            <a:noFill/>
-          </a:ln>
-        </p:spPr>
-      </p:pic>
-      <p:sp>
-        <p:nvSpPr>
-          <p:cNvPr id="118" name="Google Shape;118;p1"/>
-          <p:cNvSpPr/>
-          <p:nvPr/>
-        </p:nvSpPr>
-        <p:spPr>
-          <a:xfrm>
-            <a:off x="34656136" y="11023406"/>
-            <a:ext cx="3297715" cy="654479"/>
-          </a:xfrm>
-          <a:prstGeom prst="rect">
-            <a:avLst/>
-          </a:prstGeom>
-          <a:noFill/>
-          <a:ln>
-            <a:noFill/>
-          </a:ln>
-        </p:spPr>
-        <p:txBody>
-          <a:bodyPr spcFirstLastPara="1" wrap="square" lIns="91425" tIns="45700" rIns="91425" bIns="45700" anchor="ctr" anchorCtr="0">
-            <a:noAutofit/>
-          </a:bodyPr>
-          <a:lstStyle/>
-          <a:p>
-            <a:pPr marL="0" marR="0" lvl="0" indent="0" algn="ctr" rtl="0">
-              <a:spcBef>
-                <a:spcPts val="0"/>
-              </a:spcBef>
-              <a:spcAft>
-                <a:spcPts val="0"/>
-              </a:spcAft>
-              <a:buNone/>
-            </a:pPr>
-            <a:r>
-              <a:rPr lang="en-US" sz="2000" b="1">
-                <a:solidFill>
-                  <a:schemeClr val="dk1"/>
-                </a:solidFill>
-                <a:latin typeface="Helvetica Neue"/>
-                <a:ea typeface="Helvetica Neue"/>
-                <a:cs typeface="Helvetica Neue"/>
-                <a:sym typeface="Helvetica Neue"/>
-              </a:rPr>
-              <a:t>Pre-Intervention (N=16)</a:t>
-            </a:r>
-            <a:endParaRPr sz="2000">
-              <a:solidFill>
-                <a:schemeClr val="dk1"/>
-              </a:solidFill>
-              <a:latin typeface="Helvetica Neue"/>
-              <a:ea typeface="Helvetica Neue"/>
-              <a:cs typeface="Helvetica Neue"/>
-              <a:sym typeface="Helvetica Neue"/>
-            </a:endParaRPr>
-          </a:p>
-        </p:txBody>
-      </p:sp>
-      <p:sp>
-        <p:nvSpPr>
-          <p:cNvPr id="119" name="Google Shape;119;p1"/>
-          <p:cNvSpPr/>
-          <p:nvPr/>
-        </p:nvSpPr>
-        <p:spPr>
-          <a:xfrm>
-            <a:off x="34575037" y="14564684"/>
-            <a:ext cx="3378814" cy="394031"/>
-          </a:xfrm>
-          <a:prstGeom prst="rect">
-            <a:avLst/>
-          </a:prstGeom>
-          <a:noFill/>
-          <a:ln>
-            <a:noFill/>
-          </a:ln>
-        </p:spPr>
-        <p:txBody>
-          <a:bodyPr spcFirstLastPara="1" wrap="square" lIns="91425" tIns="45700" rIns="91425" bIns="45700" anchor="ctr" anchorCtr="0">
-            <a:noAutofit/>
-          </a:bodyPr>
-          <a:lstStyle/>
-          <a:p>
-            <a:pPr marL="0" marR="0" lvl="0" indent="0" algn="ctr" rtl="0">
-              <a:spcBef>
-                <a:spcPts val="0"/>
-              </a:spcBef>
-              <a:spcAft>
-                <a:spcPts val="0"/>
-              </a:spcAft>
-              <a:buNone/>
-            </a:pPr>
-            <a:r>
-              <a:rPr lang="en-US" sz="2000" b="1">
-                <a:solidFill>
-                  <a:schemeClr val="dk1"/>
-                </a:solidFill>
-                <a:latin typeface="Helvetica Neue"/>
-                <a:ea typeface="Helvetica Neue"/>
-                <a:cs typeface="Helvetica Neue"/>
-                <a:sym typeface="Helvetica Neue"/>
-              </a:rPr>
-              <a:t>Post-Intervention (N=11)</a:t>
-            </a:r>
-            <a:endParaRPr sz="2000">
-              <a:solidFill>
-                <a:schemeClr val="dk1"/>
-              </a:solidFill>
-              <a:latin typeface="Helvetica Neue"/>
-              <a:ea typeface="Helvetica Neue"/>
-              <a:cs typeface="Helvetica Neue"/>
-              <a:sym typeface="Helvetica Neue"/>
+            <a:endParaRPr sz="6000" dirty="0">
+              <a:latin typeface="Calibri" panose="020F0502020204030204" pitchFamily="34" charset="0"/>
+              <a:cs typeface="Calibri" panose="020F0502020204030204" pitchFamily="34" charset="0"/>
             </a:endParaRPr>
           </a:p>
         </p:txBody>
@@ -13159,7 +12775,7 @@
         </p:nvSpPr>
         <p:spPr>
           <a:xfrm>
-            <a:off x="15020051" y="29136212"/>
+            <a:off x="15020051" y="29329106"/>
             <a:ext cx="14366068" cy="707846"/>
           </a:xfrm>
           <a:prstGeom prst="rect">
@@ -13859,6 +13475,16 @@
               <a:buFont typeface="Arial" panose="020B0604020202020204" pitchFamily="34" charset="0"/>
               <a:buChar char="•"/>
             </a:pPr>
+            <a:endParaRPr lang="en-US" sz="3200" dirty="0">
+              <a:latin typeface="Calibri" panose="020F0502020204030204" pitchFamily="34" charset="0"/>
+              <a:cs typeface="Calibri" panose="020F0502020204030204" pitchFamily="34" charset="0"/>
+            </a:endParaRPr>
+          </a:p>
+          <a:p>
+            <a:pPr marL="457200" lvl="1" indent="-457200" fontAlgn="base">
+              <a:buFont typeface="Arial" panose="020B0604020202020204" pitchFamily="34" charset="0"/>
+              <a:buChar char="•"/>
+            </a:pPr>
             <a:r>
               <a:rPr lang="en-US" sz="3200" dirty="0">
                 <a:latin typeface="Calibri" panose="020F0502020204030204" pitchFamily="34" charset="0"/>
@@ -13936,7 +13562,7 @@
           <p:nvPr/>
         </p:nvPicPr>
         <p:blipFill>
-          <a:blip r:embed="rId7">
+          <a:blip r:embed="rId5">
             <a:extLst>
               <a:ext uri="{28A0092B-C50C-407E-A947-70E740481C1C}">
                 <a14:useLocalDpi xmlns:a14="http://schemas.microsoft.com/office/drawing/2010/main" val="0"/>
@@ -13983,7 +13609,7 @@
           <p:nvPr/>
         </p:nvPicPr>
         <p:blipFill>
-          <a:blip r:embed="rId8">
+          <a:blip r:embed="rId6">
             <a:extLst>
               <a:ext uri="{28A0092B-C50C-407E-A947-70E740481C1C}">
                 <a14:useLocalDpi xmlns:a14="http://schemas.microsoft.com/office/drawing/2010/main" val="0"/>
@@ -14030,7 +13656,7 @@
           <p:nvPr/>
         </p:nvPicPr>
         <p:blipFill>
-          <a:blip r:embed="rId9">
+          <a:blip r:embed="rId7">
             <a:extLst>
               <a:ext uri="{28A0092B-C50C-407E-A947-70E740481C1C}">
                 <a14:useLocalDpi xmlns:a14="http://schemas.microsoft.com/office/drawing/2010/main" val="0"/>
@@ -14077,7 +13703,7 @@
           <p:nvPr/>
         </p:nvPicPr>
         <p:blipFill>
-          <a:blip r:embed="rId10">
+          <a:blip r:embed="rId8">
             <a:extLst>
               <a:ext uri="{28A0092B-C50C-407E-A947-70E740481C1C}">
                 <a14:useLocalDpi xmlns:a14="http://schemas.microsoft.com/office/drawing/2010/main" val="0"/>
@@ -14124,7 +13750,7 @@
           <p:nvPr/>
         </p:nvPicPr>
         <p:blipFill rotWithShape="1">
-          <a:blip r:embed="rId11">
+          <a:blip r:embed="rId9">
             <a:extLst>
               <a:ext uri="{28A0092B-C50C-407E-A947-70E740481C1C}">
                 <a14:useLocalDpi xmlns:a14="http://schemas.microsoft.com/office/drawing/2010/main" val="0"/>
@@ -14168,7 +13794,7 @@
         </p:nvSpPr>
         <p:spPr>
           <a:xfrm>
-            <a:off x="19361364" y="25545002"/>
+            <a:off x="19276317" y="25792634"/>
             <a:ext cx="6411877" cy="584775"/>
           </a:xfrm>
           <a:prstGeom prst="rect">
@@ -14245,7 +13871,7 @@
           <p:nvPr/>
         </p:nvPicPr>
         <p:blipFill>
-          <a:blip r:embed="rId12"/>
+          <a:blip r:embed="rId10"/>
           <a:stretch>
             <a:fillRect/>
           </a:stretch>
@@ -14275,7 +13901,7 @@
           <p:nvPr/>
         </p:nvPicPr>
         <p:blipFill>
-          <a:blip r:embed="rId13"/>
+          <a:blip r:embed="rId11"/>
           <a:stretch>
             <a:fillRect/>
           </a:stretch>
@@ -14290,6 +13916,190 @@
           </a:prstGeom>
         </p:spPr>
       </p:pic>
+      <p:pic>
+        <p:nvPicPr>
+          <p:cNvPr id="29" name="Picture 28" descr="Icon&#10;&#10;Description automatically generated">
+            <a:extLst>
+              <a:ext uri="{FF2B5EF4-FFF2-40B4-BE49-F238E27FC236}">
+                <a16:creationId xmlns:a16="http://schemas.microsoft.com/office/drawing/2014/main" id="{E08EAF82-3AC8-3B4C-8D75-33CEF6D30927}"/>
+              </a:ext>
+            </a:extLst>
+          </p:cNvPr>
+          <p:cNvPicPr>
+            <a:picLocks noChangeAspect="1"/>
+          </p:cNvPicPr>
+          <p:nvPr/>
+        </p:nvPicPr>
+        <p:blipFill>
+          <a:blip r:embed="rId12"/>
+          <a:stretch>
+            <a:fillRect/>
+          </a:stretch>
+        </p:blipFill>
+        <p:spPr>
+          <a:xfrm>
+            <a:off x="25808637" y="29365681"/>
+            <a:ext cx="2641708" cy="634696"/>
+          </a:xfrm>
+          <a:prstGeom prst="rect">
+            <a:avLst/>
+          </a:prstGeom>
+        </p:spPr>
+      </p:pic>
+      <p:sp>
+        <p:nvSpPr>
+          <p:cNvPr id="30" name="TextBox 29">
+            <a:extLst>
+              <a:ext uri="{FF2B5EF4-FFF2-40B4-BE49-F238E27FC236}">
+                <a16:creationId xmlns:a16="http://schemas.microsoft.com/office/drawing/2014/main" id="{F7358A4B-F7E5-5B40-B4C9-294F5CA4F402}"/>
+              </a:ext>
+            </a:extLst>
+          </p:cNvPr>
+          <p:cNvSpPr txBox="1"/>
+          <p:nvPr/>
+        </p:nvSpPr>
+        <p:spPr>
+          <a:xfrm>
+            <a:off x="19361364" y="33624671"/>
+            <a:ext cx="4061741" cy="584775"/>
+          </a:xfrm>
+          <a:prstGeom prst="rect">
+            <a:avLst/>
+          </a:prstGeom>
+          <a:noFill/>
+        </p:spPr>
+        <p:txBody>
+          <a:bodyPr wrap="square" rtlCol="0">
+            <a:spAutoFit/>
+          </a:bodyPr>
+          <a:lstStyle/>
+          <a:p>
+            <a:r>
+              <a:rPr lang="en-US" sz="3200" dirty="0">
+                <a:latin typeface="Calibri" panose="020F0502020204030204" pitchFamily="34" charset="0"/>
+                <a:cs typeface="Calibri" panose="020F0502020204030204" pitchFamily="34" charset="0"/>
+              </a:rPr>
+              <a:t>Adolescence (12-18)</a:t>
+            </a:r>
+          </a:p>
+        </p:txBody>
+      </p:sp>
+      <p:pic>
+        <p:nvPicPr>
+          <p:cNvPr id="31" name="Picture 30">
+            <a:extLst>
+              <a:ext uri="{FF2B5EF4-FFF2-40B4-BE49-F238E27FC236}">
+                <a16:creationId xmlns:a16="http://schemas.microsoft.com/office/drawing/2014/main" id="{08D2C885-E7A1-0740-9F89-D04BA30557DB}"/>
+              </a:ext>
+            </a:extLst>
+          </p:cNvPr>
+          <p:cNvPicPr>
+            <a:picLocks noChangeAspect="1"/>
+          </p:cNvPicPr>
+          <p:nvPr/>
+        </p:nvPicPr>
+        <p:blipFill>
+          <a:blip r:embed="rId13"/>
+          <a:stretch>
+            <a:fillRect/>
+          </a:stretch>
+        </p:blipFill>
+        <p:spPr>
+          <a:xfrm>
+            <a:off x="15245654" y="34212244"/>
+            <a:ext cx="13273986" cy="2343854"/>
+          </a:xfrm>
+          <a:prstGeom prst="rect">
+            <a:avLst/>
+          </a:prstGeom>
+        </p:spPr>
+      </p:pic>
+      <p:sp>
+        <p:nvSpPr>
+          <p:cNvPr id="32" name="Google Shape;168;p1">
+            <a:extLst>
+              <a:ext uri="{FF2B5EF4-FFF2-40B4-BE49-F238E27FC236}">
+                <a16:creationId xmlns:a16="http://schemas.microsoft.com/office/drawing/2014/main" id="{A515C47D-E132-7046-B119-4307587CE230}"/>
+              </a:ext>
+            </a:extLst>
+          </p:cNvPr>
+          <p:cNvSpPr txBox="1"/>
+          <p:nvPr/>
+        </p:nvSpPr>
+        <p:spPr>
+          <a:xfrm>
+            <a:off x="15072961" y="36787356"/>
+            <a:ext cx="14366068" cy="707846"/>
+          </a:xfrm>
+          <a:prstGeom prst="rect">
+            <a:avLst/>
+          </a:prstGeom>
+          <a:noFill/>
+          <a:ln>
+            <a:noFill/>
+          </a:ln>
+        </p:spPr>
+        <p:txBody>
+          <a:bodyPr spcFirstLastPara="1" wrap="square" lIns="91425" tIns="45700" rIns="91425" bIns="45700" anchor="t" anchorCtr="0">
+            <a:spAutoFit/>
+          </a:bodyPr>
+          <a:lstStyle/>
+          <a:p>
+            <a:pPr marL="0" marR="0" lvl="0" indent="0" algn="l" rtl="0">
+              <a:spcBef>
+                <a:spcPts val="0"/>
+              </a:spcBef>
+              <a:spcAft>
+                <a:spcPts val="0"/>
+              </a:spcAft>
+              <a:buClr>
+                <a:srgbClr val="000000"/>
+              </a:buClr>
+              <a:buSzPts val="2000"/>
+              <a:buFont typeface="Arial"/>
+              <a:buNone/>
+            </a:pPr>
+            <a:r>
+              <a:rPr lang="en-US" sz="2000" dirty="0">
+                <a:solidFill>
+                  <a:srgbClr val="000000"/>
+                </a:solidFill>
+                <a:latin typeface="Helvetica Neue"/>
+                <a:ea typeface="Helvetica Neue"/>
+                <a:cs typeface="Helvetica Neue"/>
+                <a:sym typeface="Helvetica Neue"/>
+              </a:rPr>
+              <a:t>Voxel Threshold: p FDR corrected &lt;0.05; Cluster Threshold: p FDR corrected &lt;0.05</a:t>
+            </a:r>
+          </a:p>
+          <a:p>
+            <a:pPr marL="0" marR="0" lvl="0" indent="0" algn="l" rtl="0">
+              <a:spcBef>
+                <a:spcPts val="0"/>
+              </a:spcBef>
+              <a:spcAft>
+                <a:spcPts val="0"/>
+              </a:spcAft>
+              <a:buClr>
+                <a:srgbClr val="000000"/>
+              </a:buClr>
+              <a:buSzPts val="2000"/>
+              <a:buFont typeface="Arial"/>
+              <a:buNone/>
+            </a:pPr>
+            <a:r>
+              <a:rPr lang="en-US" sz="2000" dirty="0">
+                <a:latin typeface="Helvetica Neue"/>
+                <a:ea typeface="Helvetica Neue"/>
+                <a:cs typeface="Helvetica Neue"/>
+                <a:sym typeface="Helvetica Neue"/>
+              </a:rPr>
+              <a:t>Music from childhood (0-11), young adulthood (19-26), and adulthood (26-45) did not survive corrections</a:t>
+            </a:r>
+            <a:endParaRPr dirty="0"/>
+          </a:p>
+        </p:txBody>
+      </p:sp>
     </p:spTree>
   </p:cSld>
   <p:clrMapOvr>

--- a/presentations/SSA_CNSPoster_Kathios.pptx
+++ b/presentations/SSA_CNSPoster_Kathios.pptx
@@ -760,7 +760,7 @@
               </a:spcAft>
               <a:buNone/>
             </a:pPr>
-            <a:endParaRPr/>
+            <a:endParaRPr dirty="0"/>
           </a:p>
         </p:txBody>
       </p:sp>
@@ -11071,7 +11071,7 @@
         </p:nvSpPr>
         <p:spPr>
           <a:xfrm>
-            <a:off x="-60592" y="-29506"/>
+            <a:off x="-60592" y="13145"/>
             <a:ext cx="43886478" cy="6208593"/>
           </a:xfrm>
           <a:prstGeom prst="rect">
@@ -11117,7 +11117,7 @@
               <a:buNone/>
             </a:pPr>
             <a:r>
-              <a:rPr lang="en-US" sz="7200" b="1" i="0" u="none" strike="noStrike" cap="none" dirty="0">
+              <a:rPr lang="en-US" sz="7000" b="1" i="0" u="none" strike="noStrike" cap="none" dirty="0">
                 <a:solidFill>
                   <a:schemeClr val="lt1"/>
                 </a:solidFill>
@@ -11128,7 +11128,7 @@
               </a:rPr>
               <a:t>When You Heard it First: Age of Exposure Affects Functional Connectivity between Auditory and Reward Networks </a:t>
             </a:r>
-            <a:endParaRPr dirty="0">
+            <a:endParaRPr sz="7000" dirty="0">
               <a:latin typeface="Calibri" panose="020F0502020204030204" pitchFamily="34" charset="0"/>
               <a:cs typeface="Calibri" panose="020F0502020204030204" pitchFamily="34" charset="0"/>
             </a:endParaRPr>
@@ -11845,6 +11845,59 @@
             </a:endParaRPr>
           </a:p>
           <a:p>
+            <a:pPr fontAlgn="base"/>
+            <a:endParaRPr lang="en-US" dirty="0"/>
+          </a:p>
+          <a:p>
+            <a:pPr fontAlgn="base"/>
+            <a:endParaRPr lang="en-US" dirty="0"/>
+          </a:p>
+          <a:p>
+            <a:pPr marL="457200" indent="-457200" fontAlgn="base">
+              <a:buFont typeface="Arial" panose="020B0604020202020204" pitchFamily="34" charset="0"/>
+              <a:buChar char="•"/>
+            </a:pPr>
+            <a:r>
+              <a:rPr lang="en-US" sz="3200" dirty="0"/>
+              <a:t>Music encoded during adolescence may differ in its functional connectivity patterns from that outside this time period, providing neuroscientific insight into the reminiscence bump effect &amp; development of lifelong preferences</a:t>
+            </a:r>
+          </a:p>
+          <a:p>
+            <a:pPr marL="457200" indent="-457200" fontAlgn="base">
+              <a:buFont typeface="Arial" panose="020B0604020202020204" pitchFamily="34" charset="0"/>
+              <a:buChar char="•"/>
+            </a:pPr>
+            <a:r>
+              <a:rPr lang="en-US" sz="3200" dirty="0"/>
+              <a:t>Lifelong preference may reflect improved reward learning in adolescence that persists across the lifespan</a:t>
+            </a:r>
+          </a:p>
+          <a:p>
+            <a:pPr marL="457200" indent="-457200" fontAlgn="base">
+              <a:buFont typeface="Arial" panose="020B0604020202020204" pitchFamily="34" charset="0"/>
+              <a:buChar char="•"/>
+            </a:pPr>
+            <a:r>
+              <a:rPr lang="en-US" sz="3200" dirty="0"/>
+              <a:t>Development of the social brain in adolescents may also account for these effects, consistent with the Music for Social Bonding hypothesis</a:t>
+            </a:r>
+          </a:p>
+          <a:p>
+            <a:pPr marL="457200" indent="-457200" fontAlgn="base">
+              <a:buFont typeface="Arial" panose="020B0604020202020204" pitchFamily="34" charset="0"/>
+              <a:buChar char="•"/>
+            </a:pPr>
+            <a:r>
+              <a:rPr lang="en-US" sz="3200" b="1" dirty="0"/>
+              <a:t>Future Directions</a:t>
+            </a:r>
+            <a:r>
+              <a:rPr lang="en-US" sz="3200" dirty="0"/>
+              <a:t>: Cross-sectional &amp; longitudinal music-listening fMRI studies; investigation of age-related differences on music reward-learning paradigms; SSA fMRI analyses in clinical populations </a:t>
+            </a:r>
+            <a:endParaRPr lang="en-US" sz="3200" b="1" dirty="0"/>
+          </a:p>
+          <a:p>
             <a:pPr marL="0" marR="0" lvl="0" indent="0" algn="l" rtl="0">
               <a:spcBef>
                 <a:spcPts val="0"/>
@@ -11879,7 +11932,7 @@
               <a:buFont typeface="Calibri"/>
               <a:buNone/>
             </a:pPr>
-            <a:endParaRPr sz="900" dirty="0">
+            <a:endParaRPr lang="en-US" sz="900" dirty="0">
               <a:solidFill>
                 <a:schemeClr val="dk1"/>
               </a:solidFill>
@@ -11890,6 +11943,1231 @@
             </a:endParaRPr>
           </a:p>
           <a:p>
+            <a:pPr marL="457200" marR="0" lvl="0" indent="-400050" algn="l" rtl="0">
+              <a:spcBef>
+                <a:spcPts val="0"/>
+              </a:spcBef>
+              <a:spcAft>
+                <a:spcPts val="0"/>
+              </a:spcAft>
+              <a:buClr>
+                <a:schemeClr val="dk1"/>
+              </a:buClr>
+              <a:buSzPts val="900"/>
+              <a:buFont typeface="Calibri"/>
+              <a:buNone/>
+            </a:pPr>
+            <a:endParaRPr lang="en-US" sz="900" dirty="0">
+              <a:solidFill>
+                <a:schemeClr val="dk1"/>
+              </a:solidFill>
+              <a:latin typeface="Helvetica Neue"/>
+              <a:ea typeface="Helvetica Neue"/>
+              <a:cs typeface="Helvetica Neue"/>
+              <a:sym typeface="Helvetica Neue"/>
+            </a:endParaRPr>
+          </a:p>
+          <a:p>
+            <a:pPr marL="457200" marR="0" lvl="0" indent="-400050" algn="l" rtl="0">
+              <a:spcBef>
+                <a:spcPts val="0"/>
+              </a:spcBef>
+              <a:spcAft>
+                <a:spcPts val="0"/>
+              </a:spcAft>
+              <a:buClr>
+                <a:schemeClr val="dk1"/>
+              </a:buClr>
+              <a:buSzPts val="900"/>
+              <a:buFont typeface="Calibri"/>
+              <a:buNone/>
+            </a:pPr>
+            <a:endParaRPr lang="en-US" sz="900" dirty="0">
+              <a:solidFill>
+                <a:schemeClr val="dk1"/>
+              </a:solidFill>
+              <a:latin typeface="Helvetica Neue"/>
+              <a:ea typeface="Helvetica Neue"/>
+              <a:cs typeface="Helvetica Neue"/>
+              <a:sym typeface="Helvetica Neue"/>
+            </a:endParaRPr>
+          </a:p>
+          <a:p>
+            <a:pPr marL="457200" marR="0" lvl="0" indent="-400050" algn="l" rtl="0">
+              <a:spcBef>
+                <a:spcPts val="0"/>
+              </a:spcBef>
+              <a:spcAft>
+                <a:spcPts val="0"/>
+              </a:spcAft>
+              <a:buClr>
+                <a:schemeClr val="dk1"/>
+              </a:buClr>
+              <a:buSzPts val="900"/>
+              <a:buFont typeface="Calibri"/>
+              <a:buNone/>
+            </a:pPr>
+            <a:endParaRPr lang="en-US" sz="900" dirty="0">
+              <a:solidFill>
+                <a:schemeClr val="dk1"/>
+              </a:solidFill>
+              <a:latin typeface="Helvetica Neue"/>
+              <a:ea typeface="Helvetica Neue"/>
+              <a:cs typeface="Helvetica Neue"/>
+              <a:sym typeface="Helvetica Neue"/>
+            </a:endParaRPr>
+          </a:p>
+          <a:p>
+            <a:pPr marL="457200" marR="0" lvl="0" indent="-400050" algn="l" rtl="0">
+              <a:spcBef>
+                <a:spcPts val="0"/>
+              </a:spcBef>
+              <a:spcAft>
+                <a:spcPts val="0"/>
+              </a:spcAft>
+              <a:buClr>
+                <a:schemeClr val="dk1"/>
+              </a:buClr>
+              <a:buSzPts val="900"/>
+              <a:buFont typeface="Calibri"/>
+              <a:buNone/>
+            </a:pPr>
+            <a:endParaRPr lang="en-US" sz="900" dirty="0">
+              <a:solidFill>
+                <a:schemeClr val="dk1"/>
+              </a:solidFill>
+              <a:latin typeface="Helvetica Neue"/>
+              <a:ea typeface="Helvetica Neue"/>
+              <a:cs typeface="Helvetica Neue"/>
+              <a:sym typeface="Helvetica Neue"/>
+            </a:endParaRPr>
+          </a:p>
+          <a:p>
+            <a:pPr marL="457200" marR="0" lvl="0" indent="-400050" algn="l" rtl="0">
+              <a:spcBef>
+                <a:spcPts val="0"/>
+              </a:spcBef>
+              <a:spcAft>
+                <a:spcPts val="0"/>
+              </a:spcAft>
+              <a:buClr>
+                <a:schemeClr val="dk1"/>
+              </a:buClr>
+              <a:buSzPts val="900"/>
+              <a:buFont typeface="Calibri"/>
+              <a:buNone/>
+            </a:pPr>
+            <a:endParaRPr lang="en-US" sz="900" dirty="0">
+              <a:solidFill>
+                <a:schemeClr val="dk1"/>
+              </a:solidFill>
+              <a:latin typeface="Helvetica Neue"/>
+              <a:ea typeface="Helvetica Neue"/>
+              <a:cs typeface="Helvetica Neue"/>
+              <a:sym typeface="Helvetica Neue"/>
+            </a:endParaRPr>
+          </a:p>
+          <a:p>
+            <a:pPr marL="457200" marR="0" lvl="0" indent="-400050" algn="l" rtl="0">
+              <a:spcBef>
+                <a:spcPts val="0"/>
+              </a:spcBef>
+              <a:spcAft>
+                <a:spcPts val="0"/>
+              </a:spcAft>
+              <a:buClr>
+                <a:schemeClr val="dk1"/>
+              </a:buClr>
+              <a:buSzPts val="900"/>
+              <a:buFont typeface="Calibri"/>
+              <a:buNone/>
+            </a:pPr>
+            <a:endParaRPr lang="en-US" sz="900" dirty="0">
+              <a:solidFill>
+                <a:schemeClr val="dk1"/>
+              </a:solidFill>
+              <a:latin typeface="Helvetica Neue"/>
+              <a:ea typeface="Helvetica Neue"/>
+              <a:cs typeface="Helvetica Neue"/>
+              <a:sym typeface="Helvetica Neue"/>
+            </a:endParaRPr>
+          </a:p>
+          <a:p>
+            <a:pPr marL="457200" marR="0" lvl="0" indent="-400050" algn="l" rtl="0">
+              <a:spcBef>
+                <a:spcPts val="0"/>
+              </a:spcBef>
+              <a:spcAft>
+                <a:spcPts val="0"/>
+              </a:spcAft>
+              <a:buClr>
+                <a:schemeClr val="dk1"/>
+              </a:buClr>
+              <a:buSzPts val="900"/>
+              <a:buFont typeface="Calibri"/>
+              <a:buNone/>
+            </a:pPr>
+            <a:endParaRPr lang="en-US" sz="900" dirty="0">
+              <a:solidFill>
+                <a:schemeClr val="dk1"/>
+              </a:solidFill>
+              <a:latin typeface="Helvetica Neue"/>
+              <a:ea typeface="Helvetica Neue"/>
+              <a:cs typeface="Helvetica Neue"/>
+              <a:sym typeface="Helvetica Neue"/>
+            </a:endParaRPr>
+          </a:p>
+          <a:p>
+            <a:pPr marL="457200" marR="0" lvl="0" indent="-400050" algn="l" rtl="0">
+              <a:spcBef>
+                <a:spcPts val="0"/>
+              </a:spcBef>
+              <a:spcAft>
+                <a:spcPts val="0"/>
+              </a:spcAft>
+              <a:buClr>
+                <a:schemeClr val="dk1"/>
+              </a:buClr>
+              <a:buSzPts val="900"/>
+              <a:buFont typeface="Calibri"/>
+              <a:buNone/>
+            </a:pPr>
+            <a:endParaRPr lang="en-US" sz="900" dirty="0">
+              <a:solidFill>
+                <a:schemeClr val="dk1"/>
+              </a:solidFill>
+              <a:latin typeface="Helvetica Neue"/>
+              <a:ea typeface="Helvetica Neue"/>
+              <a:cs typeface="Helvetica Neue"/>
+              <a:sym typeface="Helvetica Neue"/>
+            </a:endParaRPr>
+          </a:p>
+          <a:p>
+            <a:pPr marL="457200" marR="0" lvl="0" indent="-400050" algn="l" rtl="0">
+              <a:spcBef>
+                <a:spcPts val="0"/>
+              </a:spcBef>
+              <a:spcAft>
+                <a:spcPts val="0"/>
+              </a:spcAft>
+              <a:buClr>
+                <a:schemeClr val="dk1"/>
+              </a:buClr>
+              <a:buSzPts val="900"/>
+              <a:buFont typeface="Calibri"/>
+              <a:buNone/>
+            </a:pPr>
+            <a:endParaRPr lang="en-US" sz="900" dirty="0">
+              <a:solidFill>
+                <a:schemeClr val="dk1"/>
+              </a:solidFill>
+              <a:latin typeface="Helvetica Neue"/>
+              <a:ea typeface="Helvetica Neue"/>
+              <a:cs typeface="Helvetica Neue"/>
+              <a:sym typeface="Helvetica Neue"/>
+            </a:endParaRPr>
+          </a:p>
+          <a:p>
+            <a:pPr marL="457200" marR="0" lvl="0" indent="-400050" algn="l" rtl="0">
+              <a:spcBef>
+                <a:spcPts val="0"/>
+              </a:spcBef>
+              <a:spcAft>
+                <a:spcPts val="0"/>
+              </a:spcAft>
+              <a:buClr>
+                <a:schemeClr val="dk1"/>
+              </a:buClr>
+              <a:buSzPts val="900"/>
+              <a:buFont typeface="Calibri"/>
+              <a:buNone/>
+            </a:pPr>
+            <a:endParaRPr lang="en-US" sz="900" dirty="0">
+              <a:solidFill>
+                <a:schemeClr val="dk1"/>
+              </a:solidFill>
+              <a:latin typeface="Helvetica Neue"/>
+              <a:ea typeface="Helvetica Neue"/>
+              <a:cs typeface="Helvetica Neue"/>
+              <a:sym typeface="Helvetica Neue"/>
+            </a:endParaRPr>
+          </a:p>
+          <a:p>
+            <a:pPr marL="457200" marR="0" lvl="0" indent="-400050" algn="l" rtl="0">
+              <a:spcBef>
+                <a:spcPts val="0"/>
+              </a:spcBef>
+              <a:spcAft>
+                <a:spcPts val="0"/>
+              </a:spcAft>
+              <a:buClr>
+                <a:schemeClr val="dk1"/>
+              </a:buClr>
+              <a:buSzPts val="900"/>
+              <a:buFont typeface="Calibri"/>
+              <a:buNone/>
+            </a:pPr>
+            <a:endParaRPr lang="en-US" sz="900" dirty="0">
+              <a:solidFill>
+                <a:schemeClr val="dk1"/>
+              </a:solidFill>
+              <a:latin typeface="Helvetica Neue"/>
+              <a:ea typeface="Helvetica Neue"/>
+              <a:cs typeface="Helvetica Neue"/>
+              <a:sym typeface="Helvetica Neue"/>
+            </a:endParaRPr>
+          </a:p>
+          <a:p>
+            <a:pPr marL="457200" marR="0" lvl="0" indent="-400050" algn="l" rtl="0">
+              <a:spcBef>
+                <a:spcPts val="0"/>
+              </a:spcBef>
+              <a:spcAft>
+                <a:spcPts val="0"/>
+              </a:spcAft>
+              <a:buClr>
+                <a:schemeClr val="dk1"/>
+              </a:buClr>
+              <a:buSzPts val="900"/>
+              <a:buFont typeface="Calibri"/>
+              <a:buNone/>
+            </a:pPr>
+            <a:endParaRPr lang="en-US" sz="900" dirty="0">
+              <a:solidFill>
+                <a:schemeClr val="dk1"/>
+              </a:solidFill>
+              <a:latin typeface="Helvetica Neue"/>
+              <a:ea typeface="Helvetica Neue"/>
+              <a:cs typeface="Helvetica Neue"/>
+              <a:sym typeface="Helvetica Neue"/>
+            </a:endParaRPr>
+          </a:p>
+          <a:p>
+            <a:pPr marL="457200" marR="0" lvl="0" indent="-400050" algn="l" rtl="0">
+              <a:spcBef>
+                <a:spcPts val="0"/>
+              </a:spcBef>
+              <a:spcAft>
+                <a:spcPts val="0"/>
+              </a:spcAft>
+              <a:buClr>
+                <a:schemeClr val="dk1"/>
+              </a:buClr>
+              <a:buSzPts val="900"/>
+              <a:buFont typeface="Calibri"/>
+              <a:buNone/>
+            </a:pPr>
+            <a:endParaRPr lang="en-US" sz="900" dirty="0">
+              <a:solidFill>
+                <a:schemeClr val="dk1"/>
+              </a:solidFill>
+              <a:latin typeface="Helvetica Neue"/>
+              <a:ea typeface="Helvetica Neue"/>
+              <a:cs typeface="Helvetica Neue"/>
+              <a:sym typeface="Helvetica Neue"/>
+            </a:endParaRPr>
+          </a:p>
+          <a:p>
+            <a:pPr marL="457200" marR="0" lvl="0" indent="-400050" algn="l" rtl="0">
+              <a:spcBef>
+                <a:spcPts val="0"/>
+              </a:spcBef>
+              <a:spcAft>
+                <a:spcPts val="0"/>
+              </a:spcAft>
+              <a:buClr>
+                <a:schemeClr val="dk1"/>
+              </a:buClr>
+              <a:buSzPts val="900"/>
+              <a:buFont typeface="Calibri"/>
+              <a:buNone/>
+            </a:pPr>
+            <a:endParaRPr lang="en-US" sz="900" dirty="0">
+              <a:solidFill>
+                <a:schemeClr val="dk1"/>
+              </a:solidFill>
+              <a:latin typeface="Helvetica Neue"/>
+              <a:ea typeface="Helvetica Neue"/>
+              <a:cs typeface="Helvetica Neue"/>
+              <a:sym typeface="Helvetica Neue"/>
+            </a:endParaRPr>
+          </a:p>
+          <a:p>
+            <a:pPr marL="457200" marR="0" lvl="0" indent="-400050" algn="l" rtl="0">
+              <a:spcBef>
+                <a:spcPts val="0"/>
+              </a:spcBef>
+              <a:spcAft>
+                <a:spcPts val="0"/>
+              </a:spcAft>
+              <a:buClr>
+                <a:schemeClr val="dk1"/>
+              </a:buClr>
+              <a:buSzPts val="900"/>
+              <a:buFont typeface="Calibri"/>
+              <a:buNone/>
+            </a:pPr>
+            <a:endParaRPr lang="en-US" sz="900" dirty="0">
+              <a:solidFill>
+                <a:schemeClr val="dk1"/>
+              </a:solidFill>
+              <a:latin typeface="Helvetica Neue"/>
+              <a:ea typeface="Helvetica Neue"/>
+              <a:cs typeface="Helvetica Neue"/>
+              <a:sym typeface="Helvetica Neue"/>
+            </a:endParaRPr>
+          </a:p>
+          <a:p>
+            <a:pPr marL="457200" marR="0" lvl="0" indent="-400050" algn="l" rtl="0">
+              <a:spcBef>
+                <a:spcPts val="0"/>
+              </a:spcBef>
+              <a:spcAft>
+                <a:spcPts val="0"/>
+              </a:spcAft>
+              <a:buClr>
+                <a:schemeClr val="dk1"/>
+              </a:buClr>
+              <a:buSzPts val="900"/>
+              <a:buFont typeface="Calibri"/>
+              <a:buNone/>
+            </a:pPr>
+            <a:endParaRPr lang="en-US" sz="900" dirty="0">
+              <a:solidFill>
+                <a:schemeClr val="dk1"/>
+              </a:solidFill>
+              <a:latin typeface="Helvetica Neue"/>
+              <a:ea typeface="Helvetica Neue"/>
+              <a:cs typeface="Helvetica Neue"/>
+              <a:sym typeface="Helvetica Neue"/>
+            </a:endParaRPr>
+          </a:p>
+          <a:p>
+            <a:pPr marL="457200" marR="0" lvl="0" indent="-400050" algn="l" rtl="0">
+              <a:spcBef>
+                <a:spcPts val="0"/>
+              </a:spcBef>
+              <a:spcAft>
+                <a:spcPts val="0"/>
+              </a:spcAft>
+              <a:buClr>
+                <a:schemeClr val="dk1"/>
+              </a:buClr>
+              <a:buSzPts val="900"/>
+              <a:buFont typeface="Calibri"/>
+              <a:buNone/>
+            </a:pPr>
+            <a:endParaRPr lang="en-US" sz="900" dirty="0">
+              <a:solidFill>
+                <a:schemeClr val="dk1"/>
+              </a:solidFill>
+              <a:latin typeface="Helvetica Neue"/>
+              <a:ea typeface="Helvetica Neue"/>
+              <a:cs typeface="Helvetica Neue"/>
+              <a:sym typeface="Helvetica Neue"/>
+            </a:endParaRPr>
+          </a:p>
+          <a:p>
+            <a:pPr marL="457200" marR="0" lvl="0" indent="-400050" algn="l" rtl="0">
+              <a:spcBef>
+                <a:spcPts val="0"/>
+              </a:spcBef>
+              <a:spcAft>
+                <a:spcPts val="0"/>
+              </a:spcAft>
+              <a:buClr>
+                <a:schemeClr val="dk1"/>
+              </a:buClr>
+              <a:buSzPts val="900"/>
+              <a:buFont typeface="Calibri"/>
+              <a:buNone/>
+            </a:pPr>
+            <a:endParaRPr lang="en-US" sz="900" dirty="0">
+              <a:solidFill>
+                <a:schemeClr val="dk1"/>
+              </a:solidFill>
+              <a:latin typeface="Helvetica Neue"/>
+              <a:ea typeface="Helvetica Neue"/>
+              <a:cs typeface="Helvetica Neue"/>
+              <a:sym typeface="Helvetica Neue"/>
+            </a:endParaRPr>
+          </a:p>
+          <a:p>
+            <a:pPr marL="457200" marR="0" lvl="0" indent="-400050" algn="l" rtl="0">
+              <a:spcBef>
+                <a:spcPts val="0"/>
+              </a:spcBef>
+              <a:spcAft>
+                <a:spcPts val="0"/>
+              </a:spcAft>
+              <a:buClr>
+                <a:schemeClr val="dk1"/>
+              </a:buClr>
+              <a:buSzPts val="900"/>
+              <a:buFont typeface="Calibri"/>
+              <a:buNone/>
+            </a:pPr>
+            <a:endParaRPr lang="en-US" sz="900" dirty="0">
+              <a:solidFill>
+                <a:schemeClr val="dk1"/>
+              </a:solidFill>
+              <a:latin typeface="Helvetica Neue"/>
+              <a:ea typeface="Helvetica Neue"/>
+              <a:cs typeface="Helvetica Neue"/>
+              <a:sym typeface="Helvetica Neue"/>
+            </a:endParaRPr>
+          </a:p>
+          <a:p>
+            <a:pPr marL="457200" marR="0" lvl="0" indent="-400050" algn="l" rtl="0">
+              <a:spcBef>
+                <a:spcPts val="0"/>
+              </a:spcBef>
+              <a:spcAft>
+                <a:spcPts val="0"/>
+              </a:spcAft>
+              <a:buClr>
+                <a:schemeClr val="dk1"/>
+              </a:buClr>
+              <a:buSzPts val="900"/>
+              <a:buFont typeface="Calibri"/>
+              <a:buNone/>
+            </a:pPr>
+            <a:endParaRPr lang="en-US" sz="900" dirty="0">
+              <a:solidFill>
+                <a:schemeClr val="dk1"/>
+              </a:solidFill>
+              <a:latin typeface="Helvetica Neue"/>
+              <a:ea typeface="Helvetica Neue"/>
+              <a:cs typeface="Helvetica Neue"/>
+              <a:sym typeface="Helvetica Neue"/>
+            </a:endParaRPr>
+          </a:p>
+          <a:p>
+            <a:pPr marL="457200" marR="0" lvl="0" indent="-400050" algn="l" rtl="0">
+              <a:spcBef>
+                <a:spcPts val="0"/>
+              </a:spcBef>
+              <a:spcAft>
+                <a:spcPts val="0"/>
+              </a:spcAft>
+              <a:buClr>
+                <a:schemeClr val="dk1"/>
+              </a:buClr>
+              <a:buSzPts val="900"/>
+              <a:buFont typeface="Calibri"/>
+              <a:buNone/>
+            </a:pPr>
+            <a:endParaRPr lang="en-US" sz="900" dirty="0">
+              <a:solidFill>
+                <a:schemeClr val="dk1"/>
+              </a:solidFill>
+              <a:latin typeface="Helvetica Neue"/>
+              <a:ea typeface="Helvetica Neue"/>
+              <a:cs typeface="Helvetica Neue"/>
+              <a:sym typeface="Helvetica Neue"/>
+            </a:endParaRPr>
+          </a:p>
+          <a:p>
+            <a:pPr marL="457200" marR="0" lvl="0" indent="-400050" algn="l" rtl="0">
+              <a:spcBef>
+                <a:spcPts val="0"/>
+              </a:spcBef>
+              <a:spcAft>
+                <a:spcPts val="0"/>
+              </a:spcAft>
+              <a:buClr>
+                <a:schemeClr val="dk1"/>
+              </a:buClr>
+              <a:buSzPts val="900"/>
+              <a:buFont typeface="Calibri"/>
+              <a:buNone/>
+            </a:pPr>
+            <a:endParaRPr lang="en-US" sz="900" dirty="0">
+              <a:solidFill>
+                <a:schemeClr val="dk1"/>
+              </a:solidFill>
+              <a:latin typeface="Helvetica Neue"/>
+              <a:ea typeface="Helvetica Neue"/>
+              <a:cs typeface="Helvetica Neue"/>
+              <a:sym typeface="Helvetica Neue"/>
+            </a:endParaRPr>
+          </a:p>
+          <a:p>
+            <a:pPr marL="457200" marR="0" lvl="0" indent="-400050" algn="l" rtl="0">
+              <a:spcBef>
+                <a:spcPts val="0"/>
+              </a:spcBef>
+              <a:spcAft>
+                <a:spcPts val="0"/>
+              </a:spcAft>
+              <a:buClr>
+                <a:schemeClr val="dk1"/>
+              </a:buClr>
+              <a:buSzPts val="900"/>
+              <a:buFont typeface="Calibri"/>
+              <a:buNone/>
+            </a:pPr>
+            <a:endParaRPr lang="en-US" sz="900" dirty="0">
+              <a:solidFill>
+                <a:schemeClr val="dk1"/>
+              </a:solidFill>
+              <a:latin typeface="Helvetica Neue"/>
+              <a:ea typeface="Helvetica Neue"/>
+              <a:cs typeface="Helvetica Neue"/>
+              <a:sym typeface="Helvetica Neue"/>
+            </a:endParaRPr>
+          </a:p>
+          <a:p>
+            <a:pPr marL="457200" marR="0" lvl="0" indent="-400050" algn="l" rtl="0">
+              <a:spcBef>
+                <a:spcPts val="0"/>
+              </a:spcBef>
+              <a:spcAft>
+                <a:spcPts val="0"/>
+              </a:spcAft>
+              <a:buClr>
+                <a:schemeClr val="dk1"/>
+              </a:buClr>
+              <a:buSzPts val="900"/>
+              <a:buFont typeface="Calibri"/>
+              <a:buNone/>
+            </a:pPr>
+            <a:endParaRPr lang="en-US" sz="900" dirty="0">
+              <a:solidFill>
+                <a:schemeClr val="dk1"/>
+              </a:solidFill>
+              <a:latin typeface="Helvetica Neue"/>
+              <a:ea typeface="Helvetica Neue"/>
+              <a:cs typeface="Helvetica Neue"/>
+              <a:sym typeface="Helvetica Neue"/>
+            </a:endParaRPr>
+          </a:p>
+          <a:p>
+            <a:pPr marL="457200" marR="0" lvl="0" indent="-400050" algn="l" rtl="0">
+              <a:spcBef>
+                <a:spcPts val="0"/>
+              </a:spcBef>
+              <a:spcAft>
+                <a:spcPts val="0"/>
+              </a:spcAft>
+              <a:buClr>
+                <a:schemeClr val="dk1"/>
+              </a:buClr>
+              <a:buSzPts val="900"/>
+              <a:buFont typeface="Calibri"/>
+              <a:buNone/>
+            </a:pPr>
+            <a:endParaRPr lang="en-US" sz="900" dirty="0">
+              <a:solidFill>
+                <a:schemeClr val="dk1"/>
+              </a:solidFill>
+              <a:latin typeface="Helvetica Neue"/>
+              <a:ea typeface="Helvetica Neue"/>
+              <a:cs typeface="Helvetica Neue"/>
+              <a:sym typeface="Helvetica Neue"/>
+            </a:endParaRPr>
+          </a:p>
+          <a:p>
+            <a:pPr marL="457200" marR="0" lvl="0" indent="-400050" algn="l" rtl="0">
+              <a:spcBef>
+                <a:spcPts val="0"/>
+              </a:spcBef>
+              <a:spcAft>
+                <a:spcPts val="0"/>
+              </a:spcAft>
+              <a:buClr>
+                <a:schemeClr val="dk1"/>
+              </a:buClr>
+              <a:buSzPts val="900"/>
+              <a:buFont typeface="Calibri"/>
+              <a:buNone/>
+            </a:pPr>
+            <a:endParaRPr lang="en-US" sz="900" dirty="0">
+              <a:solidFill>
+                <a:schemeClr val="dk1"/>
+              </a:solidFill>
+              <a:latin typeface="Helvetica Neue"/>
+              <a:ea typeface="Helvetica Neue"/>
+              <a:cs typeface="Helvetica Neue"/>
+              <a:sym typeface="Helvetica Neue"/>
+            </a:endParaRPr>
+          </a:p>
+          <a:p>
+            <a:pPr marL="457200" marR="0" lvl="0" indent="-400050" algn="l" rtl="0">
+              <a:spcBef>
+                <a:spcPts val="0"/>
+              </a:spcBef>
+              <a:spcAft>
+                <a:spcPts val="0"/>
+              </a:spcAft>
+              <a:buClr>
+                <a:schemeClr val="dk1"/>
+              </a:buClr>
+              <a:buSzPts val="900"/>
+              <a:buFont typeface="Calibri"/>
+              <a:buNone/>
+            </a:pPr>
+            <a:endParaRPr lang="en-US" sz="900" dirty="0">
+              <a:solidFill>
+                <a:schemeClr val="dk1"/>
+              </a:solidFill>
+              <a:latin typeface="Helvetica Neue"/>
+              <a:ea typeface="Helvetica Neue"/>
+              <a:cs typeface="Helvetica Neue"/>
+              <a:sym typeface="Helvetica Neue"/>
+            </a:endParaRPr>
+          </a:p>
+          <a:p>
+            <a:pPr marL="457200" marR="0" lvl="0" indent="-400050" algn="l" rtl="0">
+              <a:spcBef>
+                <a:spcPts val="0"/>
+              </a:spcBef>
+              <a:spcAft>
+                <a:spcPts val="0"/>
+              </a:spcAft>
+              <a:buClr>
+                <a:schemeClr val="dk1"/>
+              </a:buClr>
+              <a:buSzPts val="900"/>
+              <a:buFont typeface="Calibri"/>
+              <a:buNone/>
+            </a:pPr>
+            <a:endParaRPr lang="en-US" sz="900" dirty="0">
+              <a:solidFill>
+                <a:schemeClr val="dk1"/>
+              </a:solidFill>
+              <a:latin typeface="Helvetica Neue"/>
+              <a:ea typeface="Helvetica Neue"/>
+              <a:cs typeface="Helvetica Neue"/>
+              <a:sym typeface="Helvetica Neue"/>
+            </a:endParaRPr>
+          </a:p>
+          <a:p>
+            <a:pPr marL="457200" marR="0" lvl="0" indent="-400050" algn="l" rtl="0">
+              <a:spcBef>
+                <a:spcPts val="0"/>
+              </a:spcBef>
+              <a:spcAft>
+                <a:spcPts val="0"/>
+              </a:spcAft>
+              <a:buClr>
+                <a:schemeClr val="dk1"/>
+              </a:buClr>
+              <a:buSzPts val="900"/>
+              <a:buFont typeface="Calibri"/>
+              <a:buNone/>
+            </a:pPr>
+            <a:endParaRPr lang="en-US" sz="900" dirty="0">
+              <a:solidFill>
+                <a:schemeClr val="dk1"/>
+              </a:solidFill>
+              <a:latin typeface="Helvetica Neue"/>
+              <a:ea typeface="Helvetica Neue"/>
+              <a:cs typeface="Helvetica Neue"/>
+              <a:sym typeface="Helvetica Neue"/>
+            </a:endParaRPr>
+          </a:p>
+          <a:p>
+            <a:pPr marL="457200" marR="0" lvl="0" indent="-400050" algn="l" rtl="0">
+              <a:spcBef>
+                <a:spcPts val="0"/>
+              </a:spcBef>
+              <a:spcAft>
+                <a:spcPts val="0"/>
+              </a:spcAft>
+              <a:buClr>
+                <a:schemeClr val="dk1"/>
+              </a:buClr>
+              <a:buSzPts val="900"/>
+              <a:buFont typeface="Calibri"/>
+              <a:buNone/>
+            </a:pPr>
+            <a:endParaRPr lang="en-US" sz="900" dirty="0">
+              <a:solidFill>
+                <a:schemeClr val="dk1"/>
+              </a:solidFill>
+              <a:latin typeface="Helvetica Neue"/>
+              <a:ea typeface="Helvetica Neue"/>
+              <a:cs typeface="Helvetica Neue"/>
+              <a:sym typeface="Helvetica Neue"/>
+            </a:endParaRPr>
+          </a:p>
+          <a:p>
+            <a:pPr marL="457200" marR="0" lvl="0" indent="-400050" algn="l" rtl="0">
+              <a:spcBef>
+                <a:spcPts val="0"/>
+              </a:spcBef>
+              <a:spcAft>
+                <a:spcPts val="0"/>
+              </a:spcAft>
+              <a:buClr>
+                <a:schemeClr val="dk1"/>
+              </a:buClr>
+              <a:buSzPts val="900"/>
+              <a:buFont typeface="Calibri"/>
+              <a:buNone/>
+            </a:pPr>
+            <a:endParaRPr lang="en-US" sz="900" dirty="0">
+              <a:solidFill>
+                <a:schemeClr val="dk1"/>
+              </a:solidFill>
+              <a:latin typeface="Helvetica Neue"/>
+              <a:ea typeface="Helvetica Neue"/>
+              <a:cs typeface="Helvetica Neue"/>
+              <a:sym typeface="Helvetica Neue"/>
+            </a:endParaRPr>
+          </a:p>
+          <a:p>
+            <a:pPr marL="457200" marR="0" lvl="0" indent="-400050" algn="l" rtl="0">
+              <a:spcBef>
+                <a:spcPts val="0"/>
+              </a:spcBef>
+              <a:spcAft>
+                <a:spcPts val="0"/>
+              </a:spcAft>
+              <a:buClr>
+                <a:schemeClr val="dk1"/>
+              </a:buClr>
+              <a:buSzPts val="900"/>
+              <a:buFont typeface="Calibri"/>
+              <a:buNone/>
+            </a:pPr>
+            <a:endParaRPr lang="en-US" sz="900" dirty="0">
+              <a:solidFill>
+                <a:schemeClr val="dk1"/>
+              </a:solidFill>
+              <a:latin typeface="Helvetica Neue"/>
+              <a:ea typeface="Helvetica Neue"/>
+              <a:cs typeface="Helvetica Neue"/>
+              <a:sym typeface="Helvetica Neue"/>
+            </a:endParaRPr>
+          </a:p>
+          <a:p>
+            <a:pPr marL="457200" marR="0" lvl="0" indent="-400050" algn="l" rtl="0">
+              <a:spcBef>
+                <a:spcPts val="0"/>
+              </a:spcBef>
+              <a:spcAft>
+                <a:spcPts val="0"/>
+              </a:spcAft>
+              <a:buClr>
+                <a:schemeClr val="dk1"/>
+              </a:buClr>
+              <a:buSzPts val="900"/>
+              <a:buFont typeface="Calibri"/>
+              <a:buNone/>
+            </a:pPr>
+            <a:endParaRPr lang="en-US" sz="900" dirty="0">
+              <a:solidFill>
+                <a:schemeClr val="dk1"/>
+              </a:solidFill>
+              <a:latin typeface="Helvetica Neue"/>
+              <a:ea typeface="Helvetica Neue"/>
+              <a:cs typeface="Helvetica Neue"/>
+              <a:sym typeface="Helvetica Neue"/>
+            </a:endParaRPr>
+          </a:p>
+          <a:p>
+            <a:pPr marL="457200" marR="0" lvl="0" indent="-400050" algn="l" rtl="0">
+              <a:spcBef>
+                <a:spcPts val="0"/>
+              </a:spcBef>
+              <a:spcAft>
+                <a:spcPts val="0"/>
+              </a:spcAft>
+              <a:buClr>
+                <a:schemeClr val="dk1"/>
+              </a:buClr>
+              <a:buSzPts val="900"/>
+              <a:buFont typeface="Calibri"/>
+              <a:buNone/>
+            </a:pPr>
+            <a:endParaRPr lang="en-US" sz="900" dirty="0">
+              <a:solidFill>
+                <a:schemeClr val="dk1"/>
+              </a:solidFill>
+              <a:latin typeface="Helvetica Neue"/>
+              <a:ea typeface="Helvetica Neue"/>
+              <a:cs typeface="Helvetica Neue"/>
+              <a:sym typeface="Helvetica Neue"/>
+            </a:endParaRPr>
+          </a:p>
+          <a:p>
+            <a:pPr marL="457200" marR="0" lvl="0" indent="-400050" algn="l" rtl="0">
+              <a:spcBef>
+                <a:spcPts val="0"/>
+              </a:spcBef>
+              <a:spcAft>
+                <a:spcPts val="0"/>
+              </a:spcAft>
+              <a:buClr>
+                <a:schemeClr val="dk1"/>
+              </a:buClr>
+              <a:buSzPts val="900"/>
+              <a:buFont typeface="Calibri"/>
+              <a:buNone/>
+            </a:pPr>
+            <a:endParaRPr lang="en-US" sz="900" dirty="0">
+              <a:solidFill>
+                <a:schemeClr val="dk1"/>
+              </a:solidFill>
+              <a:latin typeface="Helvetica Neue"/>
+              <a:ea typeface="Helvetica Neue"/>
+              <a:cs typeface="Helvetica Neue"/>
+              <a:sym typeface="Helvetica Neue"/>
+            </a:endParaRPr>
+          </a:p>
+          <a:p>
+            <a:pPr marL="457200" marR="0" lvl="0" indent="-400050" algn="l" rtl="0">
+              <a:spcBef>
+                <a:spcPts val="0"/>
+              </a:spcBef>
+              <a:spcAft>
+                <a:spcPts val="0"/>
+              </a:spcAft>
+              <a:buClr>
+                <a:schemeClr val="dk1"/>
+              </a:buClr>
+              <a:buSzPts val="900"/>
+              <a:buFont typeface="Calibri"/>
+              <a:buNone/>
+            </a:pPr>
+            <a:endParaRPr lang="en-US" sz="900" dirty="0">
+              <a:solidFill>
+                <a:schemeClr val="dk1"/>
+              </a:solidFill>
+              <a:latin typeface="Helvetica Neue"/>
+              <a:ea typeface="Helvetica Neue"/>
+              <a:cs typeface="Helvetica Neue"/>
+              <a:sym typeface="Helvetica Neue"/>
+            </a:endParaRPr>
+          </a:p>
+          <a:p>
+            <a:pPr marL="457200" marR="0" lvl="0" indent="-400050" algn="l" rtl="0">
+              <a:spcBef>
+                <a:spcPts val="0"/>
+              </a:spcBef>
+              <a:spcAft>
+                <a:spcPts val="0"/>
+              </a:spcAft>
+              <a:buClr>
+                <a:schemeClr val="dk1"/>
+              </a:buClr>
+              <a:buSzPts val="900"/>
+              <a:buFont typeface="Calibri"/>
+              <a:buNone/>
+            </a:pPr>
+            <a:endParaRPr lang="en-US" sz="900" dirty="0">
+              <a:solidFill>
+                <a:schemeClr val="dk1"/>
+              </a:solidFill>
+              <a:latin typeface="Helvetica Neue"/>
+              <a:ea typeface="Helvetica Neue"/>
+              <a:cs typeface="Helvetica Neue"/>
+              <a:sym typeface="Helvetica Neue"/>
+            </a:endParaRPr>
+          </a:p>
+          <a:p>
+            <a:pPr marL="457200" marR="0" lvl="0" indent="-400050" algn="l" rtl="0">
+              <a:spcBef>
+                <a:spcPts val="0"/>
+              </a:spcBef>
+              <a:spcAft>
+                <a:spcPts val="0"/>
+              </a:spcAft>
+              <a:buClr>
+                <a:schemeClr val="dk1"/>
+              </a:buClr>
+              <a:buSzPts val="900"/>
+              <a:buFont typeface="Calibri"/>
+              <a:buNone/>
+            </a:pPr>
+            <a:endParaRPr lang="en-US" sz="900" dirty="0">
+              <a:solidFill>
+                <a:schemeClr val="dk1"/>
+              </a:solidFill>
+              <a:latin typeface="Helvetica Neue"/>
+              <a:ea typeface="Helvetica Neue"/>
+              <a:cs typeface="Helvetica Neue"/>
+              <a:sym typeface="Helvetica Neue"/>
+            </a:endParaRPr>
+          </a:p>
+          <a:p>
+            <a:pPr marL="457200" marR="0" lvl="0" indent="-400050" algn="l" rtl="0">
+              <a:spcBef>
+                <a:spcPts val="0"/>
+              </a:spcBef>
+              <a:spcAft>
+                <a:spcPts val="0"/>
+              </a:spcAft>
+              <a:buClr>
+                <a:schemeClr val="dk1"/>
+              </a:buClr>
+              <a:buSzPts val="900"/>
+              <a:buFont typeface="Calibri"/>
+              <a:buNone/>
+            </a:pPr>
+            <a:endParaRPr lang="en-US" sz="900" dirty="0">
+              <a:solidFill>
+                <a:schemeClr val="dk1"/>
+              </a:solidFill>
+              <a:latin typeface="Helvetica Neue"/>
+              <a:ea typeface="Helvetica Neue"/>
+              <a:cs typeface="Helvetica Neue"/>
+              <a:sym typeface="Helvetica Neue"/>
+            </a:endParaRPr>
+          </a:p>
+          <a:p>
+            <a:pPr marL="457200" marR="0" lvl="0" indent="-400050" algn="l" rtl="0">
+              <a:spcBef>
+                <a:spcPts val="0"/>
+              </a:spcBef>
+              <a:spcAft>
+                <a:spcPts val="0"/>
+              </a:spcAft>
+              <a:buClr>
+                <a:schemeClr val="dk1"/>
+              </a:buClr>
+              <a:buSzPts val="900"/>
+              <a:buFont typeface="Calibri"/>
+              <a:buNone/>
+            </a:pPr>
+            <a:endParaRPr lang="en-US" sz="900" dirty="0">
+              <a:solidFill>
+                <a:schemeClr val="dk1"/>
+              </a:solidFill>
+              <a:latin typeface="Helvetica Neue"/>
+              <a:ea typeface="Helvetica Neue"/>
+              <a:cs typeface="Helvetica Neue"/>
+              <a:sym typeface="Helvetica Neue"/>
+            </a:endParaRPr>
+          </a:p>
+          <a:p>
+            <a:pPr marL="457200" marR="0" lvl="0" indent="-400050" algn="l" rtl="0">
+              <a:spcBef>
+                <a:spcPts val="0"/>
+              </a:spcBef>
+              <a:spcAft>
+                <a:spcPts val="0"/>
+              </a:spcAft>
+              <a:buClr>
+                <a:schemeClr val="dk1"/>
+              </a:buClr>
+              <a:buSzPts val="900"/>
+              <a:buFont typeface="Calibri"/>
+              <a:buNone/>
+            </a:pPr>
+            <a:endParaRPr lang="en-US" sz="900" dirty="0">
+              <a:solidFill>
+                <a:schemeClr val="dk1"/>
+              </a:solidFill>
+              <a:latin typeface="Helvetica Neue"/>
+              <a:ea typeface="Helvetica Neue"/>
+              <a:cs typeface="Helvetica Neue"/>
+              <a:sym typeface="Helvetica Neue"/>
+            </a:endParaRPr>
+          </a:p>
+          <a:p>
+            <a:pPr marL="457200" marR="0" lvl="0" indent="-400050" algn="l" rtl="0">
+              <a:spcBef>
+                <a:spcPts val="0"/>
+              </a:spcBef>
+              <a:spcAft>
+                <a:spcPts val="0"/>
+              </a:spcAft>
+              <a:buClr>
+                <a:schemeClr val="dk1"/>
+              </a:buClr>
+              <a:buSzPts val="900"/>
+              <a:buFont typeface="Calibri"/>
+              <a:buNone/>
+            </a:pPr>
+            <a:endParaRPr lang="en-US" sz="900" dirty="0">
+              <a:solidFill>
+                <a:schemeClr val="dk1"/>
+              </a:solidFill>
+              <a:latin typeface="Helvetica Neue"/>
+              <a:ea typeface="Helvetica Neue"/>
+              <a:cs typeface="Helvetica Neue"/>
+              <a:sym typeface="Helvetica Neue"/>
+            </a:endParaRPr>
+          </a:p>
+          <a:p>
+            <a:pPr marL="457200" marR="0" lvl="0" indent="-400050" algn="l" rtl="0">
+              <a:spcBef>
+                <a:spcPts val="0"/>
+              </a:spcBef>
+              <a:spcAft>
+                <a:spcPts val="0"/>
+              </a:spcAft>
+              <a:buClr>
+                <a:schemeClr val="dk1"/>
+              </a:buClr>
+              <a:buSzPts val="900"/>
+              <a:buFont typeface="Calibri"/>
+              <a:buNone/>
+            </a:pPr>
+            <a:endParaRPr lang="en-US" sz="900" dirty="0">
+              <a:solidFill>
+                <a:schemeClr val="dk1"/>
+              </a:solidFill>
+              <a:latin typeface="Helvetica Neue"/>
+              <a:ea typeface="Helvetica Neue"/>
+              <a:cs typeface="Helvetica Neue"/>
+              <a:sym typeface="Helvetica Neue"/>
+            </a:endParaRPr>
+          </a:p>
+          <a:p>
+            <a:pPr marL="457200" marR="0" lvl="0" indent="-400050" algn="l" rtl="0">
+              <a:spcBef>
+                <a:spcPts val="0"/>
+              </a:spcBef>
+              <a:spcAft>
+                <a:spcPts val="0"/>
+              </a:spcAft>
+              <a:buClr>
+                <a:schemeClr val="dk1"/>
+              </a:buClr>
+              <a:buSzPts val="900"/>
+              <a:buFont typeface="Calibri"/>
+              <a:buNone/>
+            </a:pPr>
+            <a:endParaRPr lang="en-US" sz="900" dirty="0">
+              <a:solidFill>
+                <a:schemeClr val="dk1"/>
+              </a:solidFill>
+              <a:latin typeface="Helvetica Neue"/>
+              <a:ea typeface="Helvetica Neue"/>
+              <a:cs typeface="Helvetica Neue"/>
+              <a:sym typeface="Helvetica Neue"/>
+            </a:endParaRPr>
+          </a:p>
+          <a:p>
+            <a:pPr marL="457200" marR="0" lvl="0" indent="-400050" algn="l" rtl="0">
+              <a:spcBef>
+                <a:spcPts val="0"/>
+              </a:spcBef>
+              <a:spcAft>
+                <a:spcPts val="0"/>
+              </a:spcAft>
+              <a:buClr>
+                <a:schemeClr val="dk1"/>
+              </a:buClr>
+              <a:buSzPts val="900"/>
+              <a:buFont typeface="Calibri"/>
+              <a:buNone/>
+            </a:pPr>
+            <a:endParaRPr lang="en-US" sz="900" dirty="0">
+              <a:solidFill>
+                <a:schemeClr val="dk1"/>
+              </a:solidFill>
+              <a:latin typeface="Helvetica Neue"/>
+              <a:ea typeface="Helvetica Neue"/>
+              <a:cs typeface="Helvetica Neue"/>
+              <a:sym typeface="Helvetica Neue"/>
+            </a:endParaRPr>
+          </a:p>
+          <a:p>
+            <a:pPr marL="457200" marR="0" lvl="0" indent="-400050" algn="l" rtl="0">
+              <a:spcBef>
+                <a:spcPts val="0"/>
+              </a:spcBef>
+              <a:spcAft>
+                <a:spcPts val="0"/>
+              </a:spcAft>
+              <a:buClr>
+                <a:schemeClr val="dk1"/>
+              </a:buClr>
+              <a:buSzPts val="900"/>
+              <a:buFont typeface="Calibri"/>
+              <a:buNone/>
+            </a:pPr>
+            <a:endParaRPr lang="en-US" sz="900" dirty="0">
+              <a:solidFill>
+                <a:schemeClr val="dk1"/>
+              </a:solidFill>
+              <a:latin typeface="Helvetica Neue"/>
+              <a:ea typeface="Helvetica Neue"/>
+              <a:cs typeface="Helvetica Neue"/>
+              <a:sym typeface="Helvetica Neue"/>
+            </a:endParaRPr>
+          </a:p>
+          <a:p>
+            <a:pPr marL="457200" marR="0" lvl="0" indent="-400050" algn="l" rtl="0">
+              <a:spcBef>
+                <a:spcPts val="0"/>
+              </a:spcBef>
+              <a:spcAft>
+                <a:spcPts val="0"/>
+              </a:spcAft>
+              <a:buClr>
+                <a:schemeClr val="dk1"/>
+              </a:buClr>
+              <a:buSzPts val="900"/>
+              <a:buFont typeface="Calibri"/>
+              <a:buNone/>
+            </a:pPr>
+            <a:endParaRPr lang="en-US" sz="900" dirty="0">
+              <a:solidFill>
+                <a:schemeClr val="dk1"/>
+              </a:solidFill>
+              <a:latin typeface="Helvetica Neue"/>
+              <a:ea typeface="Helvetica Neue"/>
+              <a:cs typeface="Helvetica Neue"/>
+              <a:sym typeface="Helvetica Neue"/>
+            </a:endParaRPr>
+          </a:p>
+          <a:p>
+            <a:pPr marL="457200" marR="0" lvl="0" indent="-400050" algn="l" rtl="0">
+              <a:spcBef>
+                <a:spcPts val="0"/>
+              </a:spcBef>
+              <a:spcAft>
+                <a:spcPts val="0"/>
+              </a:spcAft>
+              <a:buClr>
+                <a:schemeClr val="dk1"/>
+              </a:buClr>
+              <a:buSzPts val="900"/>
+              <a:buFont typeface="Calibri"/>
+              <a:buNone/>
+            </a:pPr>
+            <a:endParaRPr lang="en-US" sz="900" dirty="0">
+              <a:solidFill>
+                <a:schemeClr val="dk1"/>
+              </a:solidFill>
+              <a:latin typeface="Helvetica Neue"/>
+              <a:ea typeface="Helvetica Neue"/>
+              <a:cs typeface="Helvetica Neue"/>
+              <a:sym typeface="Helvetica Neue"/>
+            </a:endParaRPr>
+          </a:p>
+          <a:p>
+            <a:pPr marL="457200" marR="0" lvl="0" indent="-400050" algn="l" rtl="0">
+              <a:spcBef>
+                <a:spcPts val="0"/>
+              </a:spcBef>
+              <a:spcAft>
+                <a:spcPts val="0"/>
+              </a:spcAft>
+              <a:buClr>
+                <a:schemeClr val="dk1"/>
+              </a:buClr>
+              <a:buSzPts val="900"/>
+              <a:buFont typeface="Calibri"/>
+              <a:buNone/>
+            </a:pPr>
+            <a:endParaRPr sz="900" dirty="0">
+              <a:solidFill>
+                <a:schemeClr val="dk1"/>
+              </a:solidFill>
+              <a:latin typeface="Helvetica Neue"/>
+              <a:ea typeface="Helvetica Neue"/>
+              <a:cs typeface="Helvetica Neue"/>
+              <a:sym typeface="Helvetica Neue"/>
+            </a:endParaRPr>
+          </a:p>
+          <a:p>
             <a:pPr marL="0" marR="0" lvl="0" indent="0" algn="l" rtl="0">
               <a:spcBef>
                 <a:spcPts val="0"/>
@@ -11904,14 +13182,17 @@
                 <a:solidFill>
                   <a:schemeClr val="dk1"/>
                 </a:solidFill>
-                <a:latin typeface="Helvetica Neue"/>
+                <a:latin typeface="Calibri" panose="020F0502020204030204" pitchFamily="34" charset="0"/>
                 <a:ea typeface="Helvetica Neue"/>
-                <a:cs typeface="Helvetica Neue"/>
+                <a:cs typeface="Calibri" panose="020F0502020204030204" pitchFamily="34" charset="0"/>
                 <a:sym typeface="Helvetica Neue"/>
               </a:rPr>
               <a:t>We acknowledge support from Grammy Foundation, NSF-CAREER 1945436, NSF-STTR 2014870, and Kim and Glenn Campbell Foundation.</a:t>
             </a:r>
-            <a:endParaRPr dirty="0"/>
+            <a:endParaRPr dirty="0">
+              <a:latin typeface="Calibri" panose="020F0502020204030204" pitchFamily="34" charset="0"/>
+              <a:cs typeface="Calibri" panose="020F0502020204030204" pitchFamily="34" charset="0"/>
+            </a:endParaRPr>
           </a:p>
           <a:p>
             <a:pPr marL="0" marR="0" lvl="0" indent="0" algn="l" rtl="0">
@@ -12282,13 +13563,136 @@
               </a:rPr>
               <a:t>We utilized participants’ self-report for self-selected music from before they were born</a:t>
             </a:r>
+          </a:p>
+          <a:p>
+            <a:pPr marL="457200" indent="-457200" fontAlgn="base">
+              <a:buFont typeface="Arial" panose="020B0604020202020204" pitchFamily="34" charset="0"/>
+              <a:buChar char="•"/>
+            </a:pPr>
+            <a:endParaRPr lang="en-US" sz="3200" dirty="0">
+              <a:solidFill>
+                <a:schemeClr val="dk1"/>
+              </a:solidFill>
+              <a:latin typeface="Calibri" panose="020F0502020204030204" pitchFamily="34" charset="0"/>
+              <a:ea typeface="Helvetica Neue"/>
+              <a:cs typeface="Calibri" panose="020F0502020204030204" pitchFamily="34" charset="0"/>
+              <a:sym typeface="Helvetica Neue"/>
+            </a:endParaRPr>
+          </a:p>
+          <a:p>
+            <a:pPr marL="457200" indent="-457200" fontAlgn="base">
+              <a:buFont typeface="Arial" panose="020B0604020202020204" pitchFamily="34" charset="0"/>
+              <a:buChar char="•"/>
+            </a:pPr>
+            <a:endParaRPr lang="en-US" sz="3200" dirty="0">
+              <a:solidFill>
+                <a:schemeClr val="dk1"/>
+              </a:solidFill>
+              <a:latin typeface="Calibri" panose="020F0502020204030204" pitchFamily="34" charset="0"/>
+              <a:ea typeface="Helvetica Neue"/>
+              <a:cs typeface="Calibri" panose="020F0502020204030204" pitchFamily="34" charset="0"/>
+              <a:sym typeface="Helvetica Neue"/>
+            </a:endParaRPr>
+          </a:p>
+          <a:p>
+            <a:pPr marL="457200" indent="-457200" fontAlgn="base">
+              <a:buFont typeface="Arial" panose="020B0604020202020204" pitchFamily="34" charset="0"/>
+              <a:buChar char="•"/>
+            </a:pPr>
+            <a:endParaRPr lang="en-US" sz="3200" dirty="0">
+              <a:solidFill>
+                <a:schemeClr val="dk1"/>
+              </a:solidFill>
+              <a:latin typeface="Calibri" panose="020F0502020204030204" pitchFamily="34" charset="0"/>
+              <a:ea typeface="Helvetica Neue"/>
+              <a:cs typeface="Calibri" panose="020F0502020204030204" pitchFamily="34" charset="0"/>
+              <a:sym typeface="Helvetica Neue"/>
+            </a:endParaRPr>
+          </a:p>
+          <a:p>
+            <a:pPr marL="457200" indent="-457200" fontAlgn="base">
+              <a:buFont typeface="Arial" panose="020B0604020202020204" pitchFamily="34" charset="0"/>
+              <a:buChar char="•"/>
+            </a:pPr>
+            <a:endParaRPr lang="en-US" sz="3200" dirty="0">
+              <a:solidFill>
+                <a:schemeClr val="dk1"/>
+              </a:solidFill>
+              <a:latin typeface="Calibri" panose="020F0502020204030204" pitchFamily="34" charset="0"/>
+              <a:ea typeface="Helvetica Neue"/>
+              <a:cs typeface="Calibri" panose="020F0502020204030204" pitchFamily="34" charset="0"/>
+              <a:sym typeface="Helvetica Neue"/>
+            </a:endParaRPr>
+          </a:p>
+          <a:p>
+            <a:pPr marL="457200" indent="-457200" fontAlgn="base">
+              <a:buFont typeface="Arial" panose="020B0604020202020204" pitchFamily="34" charset="0"/>
+              <a:buChar char="•"/>
+            </a:pPr>
+            <a:endParaRPr lang="en-US" sz="3200" dirty="0">
+              <a:solidFill>
+                <a:schemeClr val="dk1"/>
+              </a:solidFill>
+              <a:latin typeface="Calibri" panose="020F0502020204030204" pitchFamily="34" charset="0"/>
+              <a:ea typeface="Helvetica Neue"/>
+              <a:cs typeface="Calibri" panose="020F0502020204030204" pitchFamily="34" charset="0"/>
+              <a:sym typeface="Helvetica Neue"/>
+            </a:endParaRPr>
+          </a:p>
+          <a:p>
+            <a:pPr marL="457200" indent="-457200" fontAlgn="base">
+              <a:buFont typeface="Arial" panose="020B0604020202020204" pitchFamily="34" charset="0"/>
+              <a:buChar char="•"/>
+            </a:pPr>
+            <a:r>
+              <a:rPr lang="en-US" sz="3200" dirty="0">
+                <a:solidFill>
+                  <a:schemeClr val="dk1"/>
+                </a:solidFill>
+                <a:latin typeface="Calibri" panose="020F0502020204030204" pitchFamily="34" charset="0"/>
+                <a:ea typeface="Helvetica Neue"/>
+                <a:cs typeface="Calibri" panose="020F0502020204030204" pitchFamily="34" charset="0"/>
+                <a:sym typeface="Helvetica Neue"/>
+              </a:rPr>
+              <a:t>Music </a:t>
+            </a:r>
+            <a:r>
+              <a:rPr lang="en-US" sz="3200" kern="1200" dirty="0">
+                <a:solidFill>
+                  <a:schemeClr val="tx1"/>
+                </a:solidFill>
+                <a:latin typeface="Calibri" panose="020F0502020204030204" pitchFamily="34" charset="0"/>
+                <a:cs typeface="Calibri" panose="020F0502020204030204" pitchFamily="34" charset="0"/>
+              </a:rPr>
+              <a:t>music first heard during adolescence (ages 12-18) and young adulthood (19-25) showed greater activation in auditory areas (STG, MTG, </a:t>
+            </a:r>
+            <a:r>
+              <a:rPr lang="en-US" sz="3200" kern="1200" dirty="0" err="1">
+                <a:solidFill>
+                  <a:schemeClr val="tx1"/>
+                </a:solidFill>
+                <a:latin typeface="Calibri" panose="020F0502020204030204" pitchFamily="34" charset="0"/>
+                <a:cs typeface="Calibri" panose="020F0502020204030204" pitchFamily="34" charset="0"/>
+              </a:rPr>
+              <a:t>Heschl’s</a:t>
+            </a:r>
+            <a:r>
+              <a:rPr lang="en-US" sz="3200" kern="1200" dirty="0">
+                <a:solidFill>
+                  <a:schemeClr val="tx1"/>
+                </a:solidFill>
+                <a:latin typeface="Calibri" panose="020F0502020204030204" pitchFamily="34" charset="0"/>
+                <a:cs typeface="Calibri" panose="020F0502020204030204" pitchFamily="34" charset="0"/>
+              </a:rPr>
+              <a:t> Gyrus)</a:t>
+            </a:r>
             <a:endParaRPr sz="3200" dirty="0">
               <a:solidFill>
                 <a:schemeClr val="dk1"/>
               </a:solidFill>
-              <a:latin typeface="Helvetica Neue"/>
+              <a:latin typeface="Calibri" panose="020F0502020204030204" pitchFamily="34" charset="0"/>
               <a:ea typeface="Helvetica Neue"/>
-              <a:cs typeface="Helvetica Neue"/>
+              <a:cs typeface="Calibri" panose="020F0502020204030204" pitchFamily="34" charset="0"/>
               <a:sym typeface="Helvetica Neue"/>
             </a:endParaRPr>
           </a:p>
@@ -12400,7 +13804,7 @@
                 <a:cs typeface="Calibri" panose="020F0502020204030204" pitchFamily="34" charset="0"/>
                 <a:sym typeface="Helvetica Neue"/>
               </a:rPr>
-              <a:t>Introduction</a:t>
+              <a:t>Background</a:t>
             </a:r>
             <a:endParaRPr dirty="0">
               <a:latin typeface="Calibri" panose="020F0502020204030204" pitchFamily="34" charset="0"/>
@@ -12539,8 +13943,8 @@
         </p:nvSpPr>
         <p:spPr>
           <a:xfrm>
-            <a:off x="29342927" y="6492164"/>
-            <a:ext cx="13877365" cy="1613647"/>
+            <a:off x="29310270" y="6557478"/>
+            <a:ext cx="13935472" cy="1613647"/>
           </a:xfrm>
           <a:prstGeom prst="rect">
             <a:avLst/>
@@ -12661,7 +14065,7 @@
         </p:nvSpPr>
         <p:spPr>
           <a:xfrm>
-            <a:off x="15020051" y="30043469"/>
+            <a:off x="15030937" y="30043469"/>
             <a:ext cx="13877365" cy="1394021"/>
           </a:xfrm>
           <a:prstGeom prst="rect">
@@ -12775,7 +14179,7 @@
         </p:nvSpPr>
         <p:spPr>
           <a:xfrm>
-            <a:off x="15020051" y="29329106"/>
+            <a:off x="15221600" y="29265584"/>
             <a:ext cx="14366068" cy="707846"/>
           </a:xfrm>
           <a:prstGeom prst="rect">
@@ -12811,12 +14215,12 @@
                 <a:solidFill>
                   <a:srgbClr val="000000"/>
                 </a:solidFill>
-                <a:latin typeface="Helvetica Neue"/>
+                <a:latin typeface="Calibri" panose="020F0502020204030204" pitchFamily="34" charset="0"/>
                 <a:ea typeface="Helvetica Neue"/>
-                <a:cs typeface="Helvetica Neue"/>
+                <a:cs typeface="Calibri" panose="020F0502020204030204" pitchFamily="34" charset="0"/>
                 <a:sym typeface="Helvetica Neue"/>
               </a:rPr>
-              <a:t>Voxel Threshold: p FDR corrected &lt;0.05; Cluster Threshold: p FDR corrected &lt;0.05</a:t>
+              <a:t>Voxel Threshold: p-FDR corrected &lt;0.05; Cluster Threshold: p FDR-corrected &lt;0.05</a:t>
             </a:r>
           </a:p>
           <a:p>
@@ -12836,14 +14240,17 @@
             </a:pPr>
             <a:r>
               <a:rPr lang="en-US" sz="2000" dirty="0">
-                <a:latin typeface="Helvetica Neue"/>
+                <a:latin typeface="Calibri" panose="020F0502020204030204" pitchFamily="34" charset="0"/>
                 <a:ea typeface="Helvetica Neue"/>
-                <a:cs typeface="Helvetica Neue"/>
+                <a:cs typeface="Calibri" panose="020F0502020204030204" pitchFamily="34" charset="0"/>
                 <a:sym typeface="Helvetica Neue"/>
               </a:rPr>
               <a:t>Music from childhood (0-11) and adulthood (26-45) did not survive corrections</a:t>
             </a:r>
-            <a:endParaRPr dirty="0"/>
+            <a:endParaRPr dirty="0">
+              <a:latin typeface="Calibri" panose="020F0502020204030204" pitchFamily="34" charset="0"/>
+              <a:cs typeface="Calibri" panose="020F0502020204030204" pitchFamily="34" charset="0"/>
+            </a:endParaRPr>
           </a:p>
         </p:txBody>
       </p:sp>
@@ -13960,7 +15367,7 @@
         </p:nvSpPr>
         <p:spPr>
           <a:xfrm>
-            <a:off x="19361364" y="33624671"/>
+            <a:off x="19361363" y="33982723"/>
             <a:ext cx="4061741" cy="584775"/>
           </a:xfrm>
           <a:prstGeom prst="rect">
@@ -14006,7 +15413,7 @@
         </p:blipFill>
         <p:spPr>
           <a:xfrm>
-            <a:off x="15245654" y="34212244"/>
+            <a:off x="15221600" y="34605534"/>
             <a:ext cx="13273986" cy="2343854"/>
           </a:xfrm>
           <a:prstGeom prst="rect">
@@ -14028,7 +15435,7 @@
         </p:nvSpPr>
         <p:spPr>
           <a:xfrm>
-            <a:off x="15072961" y="36787356"/>
+            <a:off x="15095663" y="37152479"/>
             <a:ext cx="14366068" cy="707846"/>
           </a:xfrm>
           <a:prstGeom prst="rect">
@@ -14064,12 +15471,12 @@
                 <a:solidFill>
                   <a:srgbClr val="000000"/>
                 </a:solidFill>
-                <a:latin typeface="Helvetica Neue"/>
+                <a:latin typeface="Calibri" panose="020F0502020204030204" pitchFamily="34" charset="0"/>
                 <a:ea typeface="Helvetica Neue"/>
-                <a:cs typeface="Helvetica Neue"/>
+                <a:cs typeface="Calibri" panose="020F0502020204030204" pitchFamily="34" charset="0"/>
                 <a:sym typeface="Helvetica Neue"/>
               </a:rPr>
-              <a:t>Voxel Threshold: p FDR corrected &lt;0.05; Cluster Threshold: p FDR corrected &lt;0.05</a:t>
+              <a:t>Voxel Threshold: p-FDR corrected &lt;0.05; Cluster Threshold: p FDR-corrected &lt;0.05</a:t>
             </a:r>
           </a:p>
           <a:p>
@@ -14089,17 +15496,79 @@
             </a:pPr>
             <a:r>
               <a:rPr lang="en-US" sz="2000" dirty="0">
-                <a:latin typeface="Helvetica Neue"/>
+                <a:latin typeface="Calibri" panose="020F0502020204030204" pitchFamily="34" charset="0"/>
                 <a:ea typeface="Helvetica Neue"/>
-                <a:cs typeface="Helvetica Neue"/>
+                <a:cs typeface="Calibri" panose="020F0502020204030204" pitchFamily="34" charset="0"/>
                 <a:sym typeface="Helvetica Neue"/>
               </a:rPr>
               <a:t>Music from childhood (0-11), young adulthood (19-26), and adulthood (26-45) did not survive corrections</a:t>
             </a:r>
-            <a:endParaRPr dirty="0"/>
+            <a:endParaRPr dirty="0">
+              <a:latin typeface="Calibri" panose="020F0502020204030204" pitchFamily="34" charset="0"/>
+              <a:cs typeface="Calibri" panose="020F0502020204030204" pitchFamily="34" charset="0"/>
+            </a:endParaRPr>
           </a:p>
         </p:txBody>
       </p:sp>
+      <p:pic>
+        <p:nvPicPr>
+          <p:cNvPr id="3" name="Picture 2" descr="Graphical user interface, application&#10;&#10;Description automatically generated">
+            <a:extLst>
+              <a:ext uri="{FF2B5EF4-FFF2-40B4-BE49-F238E27FC236}">
+                <a16:creationId xmlns:a16="http://schemas.microsoft.com/office/drawing/2014/main" id="{2A2ACA97-6580-504E-903B-E4953F4405A5}"/>
+              </a:ext>
+            </a:extLst>
+          </p:cNvPr>
+          <p:cNvPicPr>
+            <a:picLocks noChangeAspect="1"/>
+          </p:cNvPicPr>
+          <p:nvPr/>
+        </p:nvPicPr>
+        <p:blipFill rotWithShape="1">
+          <a:blip r:embed="rId14"/>
+          <a:srcRect t="5828" r="2616" b="49435"/>
+          <a:stretch/>
+        </p:blipFill>
+        <p:spPr>
+          <a:xfrm>
+            <a:off x="29379552" y="8293351"/>
+            <a:ext cx="13679910" cy="3532115"/>
+          </a:xfrm>
+          <a:prstGeom prst="rect">
+            <a:avLst/>
+          </a:prstGeom>
+        </p:spPr>
+      </p:pic>
+      <p:pic>
+        <p:nvPicPr>
+          <p:cNvPr id="35" name="Picture 34" descr="Chart, line chart&#10;&#10;Description automatically generated">
+            <a:extLst>
+              <a:ext uri="{FF2B5EF4-FFF2-40B4-BE49-F238E27FC236}">
+                <a16:creationId xmlns:a16="http://schemas.microsoft.com/office/drawing/2014/main" id="{B11AAE0A-FF2E-DB43-9E37-C738713DDD5F}"/>
+              </a:ext>
+            </a:extLst>
+          </p:cNvPr>
+          <p:cNvPicPr>
+            <a:picLocks noChangeAspect="1"/>
+          </p:cNvPicPr>
+          <p:nvPr/>
+        </p:nvPicPr>
+        <p:blipFill>
+          <a:blip r:embed="rId15"/>
+          <a:stretch>
+            <a:fillRect/>
+          </a:stretch>
+        </p:blipFill>
+        <p:spPr>
+          <a:xfrm>
+            <a:off x="31973252" y="11859288"/>
+            <a:ext cx="9170058" cy="6419040"/>
+          </a:xfrm>
+          <a:prstGeom prst="rect">
+            <a:avLst/>
+          </a:prstGeom>
+        </p:spPr>
+      </p:pic>
     </p:spTree>
   </p:cSld>
   <p:clrMapOvr>

--- a/presentations/SSA_CNSPoster_Kathios.pptx
+++ b/presentations/SSA_CNSPoster_Kathios.pptx
@@ -262,7 +262,7 @@
       <p15:sldGuideLst xmlns:p15="http://schemas.microsoft.com/office/powerpoint/2012/main"/>
     </p:ext>
     <p:ext uri="http://customooxmlschemas.google.com/">
-      <go:slidesCustomData xmlns:go="http://customooxmlschemas.google.com/" xmlns:ahyp="http://schemas.microsoft.com/office/drawing/2018/hyperlinkcolor" xmlns:p15="http://schemas.microsoft.com/office/powerpoint/2012/main" xmlns:p14="http://schemas.microsoft.com/office/powerpoint/2010/main" xmlns:com="http://schemas.openxmlformats.org/drawingml/2006/compatibility" xmlns:pvml="urn:schemas-microsoft-com:office:powerpoint" xmlns:v="urn:schemas-microsoft-com:vml" xmlns:o="urn:schemas-microsoft-com:office:office" xmlns:dgm="http://schemas.openxmlformats.org/drawingml/2006/diagram" xmlns:c="http://schemas.openxmlformats.org/drawingml/2006/chart" xmlns:mv="urn:schemas-microsoft-com:mac:vml" xmlns:mc="http://schemas.openxmlformats.org/markup-compatibility/2006" xmlns="" r:id="rId12" roundtripDataSignature="AMtx7mgUZ/EanI988gELEzf8evnhnh3MyA=="/>
+      <go:slidesCustomData xmlns="" xmlns:mc="http://schemas.openxmlformats.org/markup-compatibility/2006" xmlns:mv="urn:schemas-microsoft-com:mac:vml" xmlns:c="http://schemas.openxmlformats.org/drawingml/2006/chart" xmlns:dgm="http://schemas.openxmlformats.org/drawingml/2006/diagram" xmlns:o="urn:schemas-microsoft-com:office:office" xmlns:v="urn:schemas-microsoft-com:vml" xmlns:pvml="urn:schemas-microsoft-com:office:powerpoint" xmlns:com="http://schemas.openxmlformats.org/drawingml/2006/compatibility" xmlns:p14="http://schemas.microsoft.com/office/powerpoint/2010/main" xmlns:p15="http://schemas.microsoft.com/office/powerpoint/2012/main" xmlns:ahyp="http://schemas.microsoft.com/office/drawing/2018/hyperlinkcolor" xmlns:go="http://customooxmlschemas.google.com/" r:id="rId12" roundtripDataSignature="AMtx7mgUZ/EanI988gELEzf8evnhnh3MyA=="/>
     </p:ext>
   </p:extLst>
 </p:presentation>
@@ -11881,6 +11881,11 @@
               <a:rPr lang="en-US" sz="3200" dirty="0"/>
               <a:t>Development of the social brain in adolescents may also account for these effects, consistent with the Music for Social Bonding hypothesis</a:t>
             </a:r>
+            <a:r>
+              <a:rPr lang="en-US" sz="3200" baseline="30000" dirty="0"/>
+              <a:t>6</a:t>
+            </a:r>
+            <a:endParaRPr lang="en-US" sz="3200" dirty="0"/>
           </a:p>
           <a:p>
             <a:pPr marL="457200" indent="-457200" fontAlgn="base">
@@ -12593,6 +12598,280 @@
             </a:endParaRPr>
           </a:p>
           <a:p>
+            <a:pPr marL="228600" indent="-228600">
+              <a:buFont typeface="+mj-lt"/>
+              <a:buAutoNum type="arabicPeriod"/>
+            </a:pPr>
+            <a:r>
+              <a:rPr lang="en-US" sz="1200" dirty="0"/>
+              <a:t>Rubin, D. C., &amp; </a:t>
+            </a:r>
+            <a:r>
+              <a:rPr lang="en-US" sz="1200" dirty="0" err="1"/>
+              <a:t>Schulkind</a:t>
+            </a:r>
+            <a:r>
+              <a:rPr lang="en-US" sz="1200" dirty="0"/>
+              <a:t>, M. D. (1997). The distribution of autobiographical memories across the lifespan. </a:t>
+            </a:r>
+            <a:r>
+              <a:rPr lang="en-US" sz="1200" i="1" dirty="0"/>
+              <a:t>Memory &amp; Cognition</a:t>
+            </a:r>
+            <a:r>
+              <a:rPr lang="en-US" sz="1200" dirty="0"/>
+              <a:t>, </a:t>
+            </a:r>
+            <a:r>
+              <a:rPr lang="en-US" sz="1200" i="1" dirty="0"/>
+              <a:t>25</a:t>
+            </a:r>
+            <a:r>
+              <a:rPr lang="en-US" sz="1200" dirty="0"/>
+              <a:t>(6), 859–866. </a:t>
+            </a:r>
+            <a:r>
+              <a:rPr lang="en-US" sz="1200" dirty="0">
+                <a:hlinkClick r:id="rId3"/>
+              </a:rPr>
+              <a:t>https://doi.org/10.3758/BF03211330</a:t>
+            </a:r>
+            <a:endParaRPr lang="en-US" sz="1200" dirty="0"/>
+          </a:p>
+          <a:p>
+            <a:pPr marL="228600" indent="-228600">
+              <a:buFont typeface="+mj-lt"/>
+              <a:buAutoNum type="arabicPeriod"/>
+            </a:pPr>
+            <a:r>
+              <a:rPr lang="en-US" sz="1200" dirty="0"/>
+              <a:t>Casey, B. J., Getz, S., &amp; Galvan, A. (2008). The adolescent brain. </a:t>
+            </a:r>
+            <a:r>
+              <a:rPr lang="en-US" sz="1200" i="1" dirty="0"/>
+              <a:t>Developmental Review</a:t>
+            </a:r>
+            <a:r>
+              <a:rPr lang="en-US" sz="1200" dirty="0"/>
+              <a:t>, </a:t>
+            </a:r>
+            <a:r>
+              <a:rPr lang="en-US" sz="1200" i="1" dirty="0"/>
+              <a:t>28</a:t>
+            </a:r>
+            <a:r>
+              <a:rPr lang="en-US" sz="1200" dirty="0"/>
+              <a:t>(1), 62–77. </a:t>
+            </a:r>
+            <a:r>
+              <a:rPr lang="en-US" sz="1200" dirty="0">
+                <a:hlinkClick r:id="rId4"/>
+              </a:rPr>
+              <a:t>https://doi.org/10.1016/j.dr.2007.08.003</a:t>
+            </a:r>
+            <a:endParaRPr lang="en-US" sz="1200" dirty="0"/>
+          </a:p>
+          <a:p>
+            <a:pPr marL="228600" indent="-228600">
+              <a:buFont typeface="+mj-lt"/>
+              <a:buAutoNum type="arabicPeriod"/>
+            </a:pPr>
+            <a:r>
+              <a:rPr lang="en-US" sz="1200" dirty="0"/>
+              <a:t>Steinberg, L., Albert, D., Cauffman, E., </a:t>
+            </a:r>
+            <a:r>
+              <a:rPr lang="en-US" sz="1200" dirty="0" err="1"/>
+              <a:t>Banich</a:t>
+            </a:r>
+            <a:r>
+              <a:rPr lang="en-US" sz="1200" dirty="0"/>
+              <a:t>, M., Graham, S., &amp; Woolard, J. (2008). Age differences in sensation seeking and impulsivity as indexed by behavior and self-report: Evidence for a dual systems model. </a:t>
+            </a:r>
+            <a:r>
+              <a:rPr lang="en-US" sz="1200" i="1" dirty="0"/>
+              <a:t>Developmental Psychology</a:t>
+            </a:r>
+            <a:r>
+              <a:rPr lang="en-US" sz="1200" dirty="0"/>
+              <a:t>, </a:t>
+            </a:r>
+            <a:r>
+              <a:rPr lang="en-US" sz="1200" i="1" dirty="0"/>
+              <a:t>44</a:t>
+            </a:r>
+            <a:r>
+              <a:rPr lang="en-US" sz="1200" dirty="0"/>
+              <a:t>(6), 1764–1778. </a:t>
+            </a:r>
+            <a:r>
+              <a:rPr lang="en-US" sz="1200" dirty="0">
+                <a:hlinkClick r:id="rId5"/>
+              </a:rPr>
+              <a:t>http://dx.doi.org/10.1037/a0012955</a:t>
+            </a:r>
+            <a:endParaRPr lang="en-US" sz="1200" dirty="0">
+              <a:latin typeface="Calibri" panose="020F0502020204030204" pitchFamily="34" charset="0"/>
+              <a:cs typeface="Calibri" panose="020F0502020204030204" pitchFamily="34" charset="0"/>
+            </a:endParaRPr>
+          </a:p>
+          <a:p>
+            <a:pPr marL="228600" indent="-228600">
+              <a:buFont typeface="+mj-lt"/>
+              <a:buAutoNum type="arabicPeriod"/>
+            </a:pPr>
+            <a:r>
+              <a:rPr lang="en-US" sz="1200" dirty="0"/>
+              <a:t>Casey, B., </a:t>
+            </a:r>
+            <a:r>
+              <a:rPr lang="en-US" sz="1200" dirty="0" err="1"/>
+              <a:t>Galván</a:t>
+            </a:r>
+            <a:r>
+              <a:rPr lang="en-US" sz="1200" dirty="0"/>
+              <a:t>, A., &amp; Somerville, L. H. (2016). Beyond simple models of adolescence to an integrated circuit-based account: A commentary. </a:t>
+            </a:r>
+            <a:r>
+              <a:rPr lang="en-US" sz="1200" i="1" dirty="0"/>
+              <a:t>Developmental Cognitive Neuroscience</a:t>
+            </a:r>
+            <a:r>
+              <a:rPr lang="en-US" sz="1200" dirty="0"/>
+              <a:t>, </a:t>
+            </a:r>
+            <a:r>
+              <a:rPr lang="en-US" sz="1200" i="1" dirty="0"/>
+              <a:t>17</a:t>
+            </a:r>
+            <a:r>
+              <a:rPr lang="en-US" sz="1200" dirty="0"/>
+              <a:t>, 128–130. </a:t>
+            </a:r>
+            <a:r>
+              <a:rPr lang="en-US" sz="1200" dirty="0">
+                <a:hlinkClick r:id="rId6"/>
+              </a:rPr>
+              <a:t>https://doi.org/10.1016/j.dcn.2015.12.006</a:t>
+            </a:r>
+            <a:endParaRPr lang="en-US" sz="1200" dirty="0"/>
+          </a:p>
+          <a:p>
+            <a:pPr marL="228600" indent="-228600">
+              <a:buFont typeface="+mj-lt"/>
+              <a:buAutoNum type="arabicPeriod"/>
+            </a:pPr>
+            <a:r>
+              <a:rPr lang="en-US" sz="1200" dirty="0" err="1"/>
+              <a:t>Belfi</a:t>
+            </a:r>
+            <a:r>
+              <a:rPr lang="en-US" sz="1200" dirty="0"/>
+              <a:t>, A. M., &amp; Loui, P. (2020). Musical anhedonia and rewards of music listening: Current advances and a proposed model. </a:t>
+            </a:r>
+            <a:r>
+              <a:rPr lang="en-US" sz="1200" i="1" dirty="0"/>
+              <a:t>Annals of the New York Academy of Sciences</a:t>
+            </a:r>
+            <a:r>
+              <a:rPr lang="en-US" sz="1200" dirty="0"/>
+              <a:t>, </a:t>
+            </a:r>
+            <a:r>
+              <a:rPr lang="en-US" sz="1200" i="1" dirty="0"/>
+              <a:t>1464</a:t>
+            </a:r>
+            <a:r>
+              <a:rPr lang="en-US" sz="1200" dirty="0"/>
+              <a:t>(1), 99–114. </a:t>
+            </a:r>
+            <a:r>
+              <a:rPr lang="en-US" sz="1200" dirty="0">
+                <a:hlinkClick r:id="rId7"/>
+              </a:rPr>
+              <a:t>https://doi.org/10.1111/nyas.14241</a:t>
+            </a:r>
+            <a:endParaRPr lang="en-US" sz="1200" dirty="0"/>
+          </a:p>
+          <a:p>
+            <a:pPr marL="228600" indent="-228600">
+              <a:buFont typeface="+mj-lt"/>
+              <a:buAutoNum type="arabicPeriod"/>
+            </a:pPr>
+            <a:r>
+              <a:rPr lang="en-US" sz="1200" dirty="0"/>
+              <a:t>Savage, P. E., Loui, P., </a:t>
+            </a:r>
+            <a:r>
+              <a:rPr lang="en-US" sz="1200" dirty="0" err="1"/>
+              <a:t>Tarr</a:t>
+            </a:r>
+            <a:r>
+              <a:rPr lang="en-US" sz="1200" dirty="0"/>
+              <a:t>, B., </a:t>
+            </a:r>
+            <a:r>
+              <a:rPr lang="en-US" sz="1200" dirty="0" err="1"/>
+              <a:t>Schachner</a:t>
+            </a:r>
+            <a:r>
+              <a:rPr lang="en-US" sz="1200" dirty="0"/>
+              <a:t>, A., </a:t>
+            </a:r>
+            <a:r>
+              <a:rPr lang="en-US" sz="1200" dirty="0" err="1"/>
+              <a:t>Glowacki</a:t>
+            </a:r>
+            <a:r>
+              <a:rPr lang="en-US" sz="1200" dirty="0"/>
+              <a:t>, L., </a:t>
+            </a:r>
+            <a:r>
+              <a:rPr lang="en-US" sz="1200" dirty="0" err="1"/>
+              <a:t>Mithen</a:t>
+            </a:r>
+            <a:r>
+              <a:rPr lang="en-US" sz="1200" dirty="0"/>
+              <a:t>, S., &amp; Fitch, W. T. (2021). Music as a coevolved system for social bonding. </a:t>
+            </a:r>
+            <a:r>
+              <a:rPr lang="en-US" sz="1200" i="1" dirty="0"/>
+              <a:t>Behavioral and Brain Sciences</a:t>
+            </a:r>
+            <a:r>
+              <a:rPr lang="en-US" sz="1200" dirty="0"/>
+              <a:t>, </a:t>
+            </a:r>
+            <a:r>
+              <a:rPr lang="en-US" sz="1200" i="1" dirty="0"/>
+              <a:t>44</a:t>
+            </a:r>
+            <a:r>
+              <a:rPr lang="en-US" sz="1200" dirty="0"/>
+              <a:t>. </a:t>
+            </a:r>
+            <a:r>
+              <a:rPr lang="en-US" sz="1200" dirty="0">
+                <a:hlinkClick r:id="rId8"/>
+              </a:rPr>
+              <a:t>https://doi.org/10.1017/S0140525X20000333</a:t>
+            </a:r>
+            <a:endParaRPr lang="en-US" sz="1200" dirty="0"/>
+          </a:p>
+          <a:p>
+            <a:pPr marL="457200" indent="-400050">
+              <a:buClr>
+                <a:schemeClr val="dk1"/>
+              </a:buClr>
+              <a:buSzPts val="900"/>
+              <a:buAutoNum type="arabicPeriod"/>
+            </a:pPr>
+            <a:endParaRPr lang="en-US" sz="1200" dirty="0">
+              <a:latin typeface="Calibri" panose="020F0502020204030204" pitchFamily="34" charset="0"/>
+              <a:cs typeface="Calibri" panose="020F0502020204030204" pitchFamily="34" charset="0"/>
+            </a:endParaRPr>
+          </a:p>
+          <a:p>
             <a:pPr marL="457200" marR="0" lvl="0" indent="-400050" algn="l" rtl="0">
               <a:spcBef>
                 <a:spcPts val="0"/>
@@ -12686,84 +12965,9 @@
               <a:solidFill>
                 <a:schemeClr val="dk1"/>
               </a:solidFill>
-              <a:latin typeface="Helvetica Neue"/>
+              <a:latin typeface="Calibri" panose="020F0502020204030204" pitchFamily="34" charset="0"/>
               <a:ea typeface="Helvetica Neue"/>
-              <a:cs typeface="Helvetica Neue"/>
-              <a:sym typeface="Helvetica Neue"/>
-            </a:endParaRPr>
-          </a:p>
-          <a:p>
-            <a:pPr marL="457200" marR="0" lvl="0" indent="-400050" algn="l" rtl="0">
-              <a:spcBef>
-                <a:spcPts val="0"/>
-              </a:spcBef>
-              <a:spcAft>
-                <a:spcPts val="0"/>
-              </a:spcAft>
-              <a:buClr>
-                <a:schemeClr val="dk1"/>
-              </a:buClr>
-              <a:buSzPts val="900"/>
-              <a:buFont typeface="Calibri"/>
-              <a:buNone/>
-            </a:pPr>
-            <a:endParaRPr lang="en-US" sz="900" dirty="0">
-              <a:solidFill>
-                <a:schemeClr val="dk1"/>
-              </a:solidFill>
-              <a:latin typeface="Helvetica Neue"/>
-              <a:ea typeface="Helvetica Neue"/>
-              <a:cs typeface="Helvetica Neue"/>
-              <a:sym typeface="Helvetica Neue"/>
-            </a:endParaRPr>
-          </a:p>
-          <a:p>
-            <a:pPr marL="457200" marR="0" lvl="0" indent="-400050" algn="l" rtl="0">
-              <a:spcBef>
-                <a:spcPts val="0"/>
-              </a:spcBef>
-              <a:spcAft>
-                <a:spcPts val="0"/>
-              </a:spcAft>
-              <a:buClr>
-                <a:schemeClr val="dk1"/>
-              </a:buClr>
-              <a:buSzPts val="900"/>
-              <a:buFont typeface="Calibri"/>
-              <a:buNone/>
-            </a:pPr>
-            <a:endParaRPr lang="en-US" sz="900" dirty="0">
-              <a:solidFill>
-                <a:schemeClr val="dk1"/>
-              </a:solidFill>
-              <a:latin typeface="Helvetica Neue"/>
-              <a:ea typeface="Helvetica Neue"/>
-              <a:cs typeface="Helvetica Neue"/>
-              <a:sym typeface="Helvetica Neue"/>
-            </a:endParaRPr>
-          </a:p>
-          <a:p>
-            <a:pPr marL="457200" marR="0" lvl="0" indent="-400050" algn="l" rtl="0">
-              <a:spcBef>
-                <a:spcPts val="0"/>
-              </a:spcBef>
-              <a:spcAft>
-                <a:spcPts val="0"/>
-              </a:spcAft>
-              <a:buClr>
-                <a:schemeClr val="dk1"/>
-              </a:buClr>
-              <a:buSzPts val="900"/>
-              <a:buFont typeface="Calibri"/>
-              <a:buNone/>
-            </a:pPr>
-            <a:endParaRPr lang="en-US" sz="900" dirty="0">
-              <a:solidFill>
-                <a:schemeClr val="dk1"/>
-              </a:solidFill>
-              <a:latin typeface="Helvetica Neue"/>
-              <a:ea typeface="Helvetica Neue"/>
-              <a:cs typeface="Helvetica Neue"/>
+              <a:cs typeface="Calibri" panose="020F0502020204030204" pitchFamily="34" charset="0"/>
               <a:sym typeface="Helvetica Neue"/>
             </a:endParaRPr>
           </a:p>
@@ -13705,7 +13909,7 @@
           <p:nvPr/>
         </p:nvPicPr>
         <p:blipFill rotWithShape="1">
-          <a:blip r:embed="rId3">
+          <a:blip r:embed="rId9">
             <a:alphaModFix/>
           </a:blip>
           <a:srcRect/>
@@ -13732,7 +13936,7 @@
           <p:nvPr/>
         </p:nvPicPr>
         <p:blipFill rotWithShape="1">
-          <a:blip r:embed="rId4">
+          <a:blip r:embed="rId10">
             <a:alphaModFix/>
           </a:blip>
           <a:srcRect/>
@@ -14311,6 +14515,17 @@
               </a:rPr>
               <a:t>Older adults tend to recall a disproportionately high number of autobiographical memories from their adolescence and young adulthood compared to any other time across the lifespan (the “reminiscence bump”)</a:t>
             </a:r>
+            <a:r>
+              <a:rPr lang="en-US" sz="3200" baseline="30000" dirty="0">
+                <a:latin typeface="Calibri" panose="020F0502020204030204" pitchFamily="34" charset="0"/>
+                <a:cs typeface="Calibri" panose="020F0502020204030204" pitchFamily="34" charset="0"/>
+              </a:rPr>
+              <a:t>1</a:t>
+            </a:r>
+            <a:endParaRPr lang="en-US" sz="3200" dirty="0">
+              <a:latin typeface="Calibri" panose="020F0502020204030204" pitchFamily="34" charset="0"/>
+              <a:cs typeface="Calibri" panose="020F0502020204030204" pitchFamily="34" charset="0"/>
+            </a:endParaRPr>
           </a:p>
           <a:p>
             <a:pPr marL="457200" indent="-457200" fontAlgn="base">
@@ -14449,8 +14664,19 @@
                 <a:latin typeface="Calibri" panose="020F0502020204030204" pitchFamily="34" charset="0"/>
                 <a:cs typeface="Calibri" panose="020F0502020204030204" pitchFamily="34" charset="0"/>
               </a:rPr>
-              <a:t> regions (Casey et al., 2008; Steinberg et al., 2008)</a:t>
+              <a:t> regions</a:t>
             </a:r>
+            <a:r>
+              <a:rPr lang="en-US" sz="3200" baseline="30000" dirty="0">
+                <a:latin typeface="Calibri" panose="020F0502020204030204" pitchFamily="34" charset="0"/>
+                <a:cs typeface="Calibri" panose="020F0502020204030204" pitchFamily="34" charset="0"/>
+              </a:rPr>
+              <a:t>2,3</a:t>
+            </a:r>
+            <a:endParaRPr lang="en-US" sz="3200" dirty="0">
+              <a:latin typeface="Calibri" panose="020F0502020204030204" pitchFamily="34" charset="0"/>
+              <a:cs typeface="Calibri" panose="020F0502020204030204" pitchFamily="34" charset="0"/>
+            </a:endParaRPr>
           </a:p>
           <a:p>
             <a:pPr marL="457200" indent="-457200" fontAlgn="base">
@@ -14462,7 +14688,21 @@
                 <a:latin typeface="Calibri" panose="020F0502020204030204" pitchFamily="34" charset="0"/>
                 <a:cs typeface="Calibri" panose="020F0502020204030204" pitchFamily="34" charset="0"/>
               </a:rPr>
-              <a:t>Connections between the mPFC and </a:t>
+              <a:t>Connections between the </a:t>
+            </a:r>
+            <a:r>
+              <a:rPr lang="en-US" sz="3200" dirty="0" err="1">
+                <a:latin typeface="Calibri" panose="020F0502020204030204" pitchFamily="34" charset="0"/>
+                <a:cs typeface="Calibri" panose="020F0502020204030204" pitchFamily="34" charset="0"/>
+              </a:rPr>
+              <a:t>mPFC</a:t>
+            </a:r>
+            <a:r>
+              <a:rPr lang="en-US" sz="3200" dirty="0">
+                <a:latin typeface="Calibri" panose="020F0502020204030204" pitchFamily="34" charset="0"/>
+                <a:cs typeface="Calibri" panose="020F0502020204030204" pitchFamily="34" charset="0"/>
+              </a:rPr>
+              <a:t> and </a:t>
             </a:r>
             <a:r>
               <a:rPr lang="en-US" sz="3200" dirty="0" err="1">
@@ -14476,8 +14716,33 @@
                 <a:latin typeface="Calibri" panose="020F0502020204030204" pitchFamily="34" charset="0"/>
                 <a:cs typeface="Calibri" panose="020F0502020204030204" pitchFamily="34" charset="0"/>
               </a:rPr>
-              <a:t> strengthen during this time period (particularly in late adolescence), with the mPFC regulating limbic responses as individuals mature (Casey, 2016):</a:t>
+              <a:t> strengthen during this time period (particularly in late adolescence), with the </a:t>
             </a:r>
+            <a:r>
+              <a:rPr lang="en-US" sz="3200" dirty="0" err="1">
+                <a:latin typeface="Calibri" panose="020F0502020204030204" pitchFamily="34" charset="0"/>
+                <a:cs typeface="Calibri" panose="020F0502020204030204" pitchFamily="34" charset="0"/>
+              </a:rPr>
+              <a:t>mPFC</a:t>
+            </a:r>
+            <a:r>
+              <a:rPr lang="en-US" sz="3200" dirty="0">
+                <a:latin typeface="Calibri" panose="020F0502020204030204" pitchFamily="34" charset="0"/>
+                <a:cs typeface="Calibri" panose="020F0502020204030204" pitchFamily="34" charset="0"/>
+              </a:rPr>
+              <a:t> regulating limbic responses as individuals mature:</a:t>
+            </a:r>
+            <a:r>
+              <a:rPr lang="en-US" sz="3200" baseline="30000" dirty="0">
+                <a:latin typeface="Calibri" panose="020F0502020204030204" pitchFamily="34" charset="0"/>
+                <a:cs typeface="Calibri" panose="020F0502020204030204" pitchFamily="34" charset="0"/>
+              </a:rPr>
+              <a:t>4</a:t>
+            </a:r>
+            <a:endParaRPr lang="en-US" sz="3200" dirty="0">
+              <a:latin typeface="Calibri" panose="020F0502020204030204" pitchFamily="34" charset="0"/>
+              <a:cs typeface="Calibri" panose="020F0502020204030204" pitchFamily="34" charset="0"/>
+            </a:endParaRPr>
           </a:p>
           <a:p>
             <a:pPr fontAlgn="base"/>
@@ -14546,6 +14811,17 @@
               </a:rPr>
               <a:t>Pleasurable music listening experiences involves an interaction between and within the auditory and dopaminergic reward systems, facilitated by the anterior insula:</a:t>
             </a:r>
+            <a:r>
+              <a:rPr lang="en-US" sz="3200" baseline="30000" dirty="0">
+                <a:latin typeface="Calibri" panose="020F0502020204030204" pitchFamily="34" charset="0"/>
+                <a:cs typeface="Calibri" panose="020F0502020204030204" pitchFamily="34" charset="0"/>
+              </a:rPr>
+              <a:t>5</a:t>
+            </a:r>
+            <a:endParaRPr lang="en-US" sz="3200" dirty="0">
+              <a:latin typeface="Calibri" panose="020F0502020204030204" pitchFamily="34" charset="0"/>
+              <a:cs typeface="Calibri" panose="020F0502020204030204" pitchFamily="34" charset="0"/>
+            </a:endParaRPr>
           </a:p>
           <a:p>
             <a:pPr marL="0" marR="0" lvl="0" indent="0" algn="l" rtl="0">
@@ -14969,7 +15245,7 @@
           <p:nvPr/>
         </p:nvPicPr>
         <p:blipFill>
-          <a:blip r:embed="rId5">
+          <a:blip r:embed="rId11">
             <a:extLst>
               <a:ext uri="{28A0092B-C50C-407E-A947-70E740481C1C}">
                 <a14:useLocalDpi xmlns:a14="http://schemas.microsoft.com/office/drawing/2010/main" val="0"/>
@@ -15016,7 +15292,7 @@
           <p:nvPr/>
         </p:nvPicPr>
         <p:blipFill>
-          <a:blip r:embed="rId6">
+          <a:blip r:embed="rId12">
             <a:extLst>
               <a:ext uri="{28A0092B-C50C-407E-A947-70E740481C1C}">
                 <a14:useLocalDpi xmlns:a14="http://schemas.microsoft.com/office/drawing/2010/main" val="0"/>
@@ -15063,7 +15339,7 @@
           <p:nvPr/>
         </p:nvPicPr>
         <p:blipFill>
-          <a:blip r:embed="rId7">
+          <a:blip r:embed="rId13">
             <a:extLst>
               <a:ext uri="{28A0092B-C50C-407E-A947-70E740481C1C}">
                 <a14:useLocalDpi xmlns:a14="http://schemas.microsoft.com/office/drawing/2010/main" val="0"/>
@@ -15110,7 +15386,7 @@
           <p:nvPr/>
         </p:nvPicPr>
         <p:blipFill>
-          <a:blip r:embed="rId8">
+          <a:blip r:embed="rId14">
             <a:extLst>
               <a:ext uri="{28A0092B-C50C-407E-A947-70E740481C1C}">
                 <a14:useLocalDpi xmlns:a14="http://schemas.microsoft.com/office/drawing/2010/main" val="0"/>
@@ -15157,7 +15433,7 @@
           <p:nvPr/>
         </p:nvPicPr>
         <p:blipFill rotWithShape="1">
-          <a:blip r:embed="rId9">
+          <a:blip r:embed="rId15">
             <a:extLst>
               <a:ext uri="{28A0092B-C50C-407E-A947-70E740481C1C}">
                 <a14:useLocalDpi xmlns:a14="http://schemas.microsoft.com/office/drawing/2010/main" val="0"/>
@@ -15278,7 +15554,7 @@
           <p:nvPr/>
         </p:nvPicPr>
         <p:blipFill>
-          <a:blip r:embed="rId10"/>
+          <a:blip r:embed="rId16"/>
           <a:stretch>
             <a:fillRect/>
           </a:stretch>
@@ -15308,7 +15584,7 @@
           <p:nvPr/>
         </p:nvPicPr>
         <p:blipFill>
-          <a:blip r:embed="rId11"/>
+          <a:blip r:embed="rId17"/>
           <a:stretch>
             <a:fillRect/>
           </a:stretch>
@@ -15338,7 +15614,7 @@
           <p:nvPr/>
         </p:nvPicPr>
         <p:blipFill>
-          <a:blip r:embed="rId12"/>
+          <a:blip r:embed="rId18"/>
           <a:stretch>
             <a:fillRect/>
           </a:stretch>
@@ -15406,7 +15682,7 @@
           <p:nvPr/>
         </p:nvPicPr>
         <p:blipFill>
-          <a:blip r:embed="rId13"/>
+          <a:blip r:embed="rId19"/>
           <a:stretch>
             <a:fillRect/>
           </a:stretch>
@@ -15525,7 +15801,7 @@
           <p:nvPr/>
         </p:nvPicPr>
         <p:blipFill rotWithShape="1">
-          <a:blip r:embed="rId14"/>
+          <a:blip r:embed="rId20"/>
           <a:srcRect t="5828" r="2616" b="49435"/>
           <a:stretch/>
         </p:blipFill>
@@ -15554,7 +15830,7 @@
           <p:nvPr/>
         </p:nvPicPr>
         <p:blipFill>
-          <a:blip r:embed="rId15"/>
+          <a:blip r:embed="rId21"/>
           <a:stretch>
             <a:fillRect/>
           </a:stretch>

--- a/presentations/SSA_CNSPoster_Kathios.pptx
+++ b/presentations/SSA_CNSPoster_Kathios.pptx
@@ -262,7 +262,7 @@
       <p15:sldGuideLst xmlns:p15="http://schemas.microsoft.com/office/powerpoint/2012/main"/>
     </p:ext>
     <p:ext uri="http://customooxmlschemas.google.com/">
-      <go:slidesCustomData xmlns="" xmlns:mc="http://schemas.openxmlformats.org/markup-compatibility/2006" xmlns:mv="urn:schemas-microsoft-com:mac:vml" xmlns:c="http://schemas.openxmlformats.org/drawingml/2006/chart" xmlns:dgm="http://schemas.openxmlformats.org/drawingml/2006/diagram" xmlns:o="urn:schemas-microsoft-com:office:office" xmlns:v="urn:schemas-microsoft-com:vml" xmlns:pvml="urn:schemas-microsoft-com:office:powerpoint" xmlns:com="http://schemas.openxmlformats.org/drawingml/2006/compatibility" xmlns:p14="http://schemas.microsoft.com/office/powerpoint/2010/main" xmlns:p15="http://schemas.microsoft.com/office/powerpoint/2012/main" xmlns:ahyp="http://schemas.microsoft.com/office/drawing/2018/hyperlinkcolor" xmlns:go="http://customooxmlschemas.google.com/" r:id="rId12" roundtripDataSignature="AMtx7mgUZ/EanI988gELEzf8evnhnh3MyA=="/>
+      <go:slidesCustomData xmlns:go="http://customooxmlschemas.google.com/" xmlns:ahyp="http://schemas.microsoft.com/office/drawing/2018/hyperlinkcolor" xmlns:p15="http://schemas.microsoft.com/office/powerpoint/2012/main" xmlns:p14="http://schemas.microsoft.com/office/powerpoint/2010/main" xmlns:com="http://schemas.openxmlformats.org/drawingml/2006/compatibility" xmlns:pvml="urn:schemas-microsoft-com:office:powerpoint" xmlns:v="urn:schemas-microsoft-com:vml" xmlns:o="urn:schemas-microsoft-com:office:office" xmlns:dgm="http://schemas.openxmlformats.org/drawingml/2006/diagram" xmlns:c="http://schemas.openxmlformats.org/drawingml/2006/chart" xmlns:mv="urn:schemas-microsoft-com:mac:vml" xmlns:mc="http://schemas.openxmlformats.org/markup-compatibility/2006" xmlns="" r:id="rId12" roundtripDataSignature="AMtx7mgUZ/EanI988gELEzf8evnhnh3MyA=="/>
     </p:ext>
   </p:extLst>
 </p:presentation>

--- a/presentations/SSA_CNSPoster_Kathios.pptx
+++ b/presentations/SSA_CNSPoster_Kathios.pptx
@@ -262,7 +262,7 @@
       <p15:sldGuideLst xmlns:p15="http://schemas.microsoft.com/office/powerpoint/2012/main"/>
     </p:ext>
     <p:ext uri="http://customooxmlschemas.google.com/">
-      <go:slidesCustomData xmlns:go="http://customooxmlschemas.google.com/" xmlns:ahyp="http://schemas.microsoft.com/office/drawing/2018/hyperlinkcolor" xmlns:p15="http://schemas.microsoft.com/office/powerpoint/2012/main" xmlns:p14="http://schemas.microsoft.com/office/powerpoint/2010/main" xmlns:com="http://schemas.openxmlformats.org/drawingml/2006/compatibility" xmlns:pvml="urn:schemas-microsoft-com:office:powerpoint" xmlns:v="urn:schemas-microsoft-com:vml" xmlns:o="urn:schemas-microsoft-com:office:office" xmlns:dgm="http://schemas.openxmlformats.org/drawingml/2006/diagram" xmlns:c="http://schemas.openxmlformats.org/drawingml/2006/chart" xmlns:mv="urn:schemas-microsoft-com:mac:vml" xmlns:mc="http://schemas.openxmlformats.org/markup-compatibility/2006" xmlns="" r:id="rId12" roundtripDataSignature="AMtx7mgUZ/EanI988gELEzf8evnhnh3MyA=="/>
+      <go:slidesCustomData xmlns="" xmlns:mc="http://schemas.openxmlformats.org/markup-compatibility/2006" xmlns:mv="urn:schemas-microsoft-com:mac:vml" xmlns:c="http://schemas.openxmlformats.org/drawingml/2006/chart" xmlns:dgm="http://schemas.openxmlformats.org/drawingml/2006/diagram" xmlns:o="urn:schemas-microsoft-com:office:office" xmlns:v="urn:schemas-microsoft-com:vml" xmlns:pvml="urn:schemas-microsoft-com:office:powerpoint" xmlns:com="http://schemas.openxmlformats.org/drawingml/2006/compatibility" xmlns:p14="http://schemas.microsoft.com/office/powerpoint/2010/main" xmlns:p15="http://schemas.microsoft.com/office/powerpoint/2012/main" xmlns:ahyp="http://schemas.microsoft.com/office/drawing/2018/hyperlinkcolor" xmlns:go="http://customooxmlschemas.google.com/" r:id="rId12" roundtripDataSignature="AMtx7mgUZ/EanI988gELEzf8evnhnh3MyA=="/>
     </p:ext>
   </p:extLst>
 </p:presentation>
@@ -13890,7 +13890,335 @@
               </a:rPr>
               <a:t> Gyrus)</a:t>
             </a:r>
-            <a:endParaRPr sz="3200" dirty="0">
+          </a:p>
+          <a:p>
+            <a:pPr marL="457200" indent="-457200" fontAlgn="base">
+              <a:buFont typeface="Arial" panose="020B0604020202020204" pitchFamily="34" charset="0"/>
+              <a:buChar char="•"/>
+            </a:pPr>
+            <a:endParaRPr lang="en-US" sz="3200" kern="1200" dirty="0">
+              <a:solidFill>
+                <a:schemeClr val="tx1"/>
+              </a:solidFill>
+              <a:latin typeface="Calibri" panose="020F0502020204030204" pitchFamily="34" charset="0"/>
+              <a:ea typeface="Helvetica Neue"/>
+              <a:cs typeface="Calibri" panose="020F0502020204030204" pitchFamily="34" charset="0"/>
+              <a:sym typeface="Helvetica Neue"/>
+            </a:endParaRPr>
+          </a:p>
+          <a:p>
+            <a:pPr marL="457200" indent="-457200" fontAlgn="base">
+              <a:buFont typeface="Arial" panose="020B0604020202020204" pitchFamily="34" charset="0"/>
+              <a:buChar char="•"/>
+            </a:pPr>
+            <a:endParaRPr lang="en-US" sz="3200" kern="1200" dirty="0">
+              <a:solidFill>
+                <a:schemeClr val="tx1"/>
+              </a:solidFill>
+              <a:latin typeface="Calibri" panose="020F0502020204030204" pitchFamily="34" charset="0"/>
+              <a:ea typeface="Helvetica Neue"/>
+              <a:cs typeface="Calibri" panose="020F0502020204030204" pitchFamily="34" charset="0"/>
+              <a:sym typeface="Helvetica Neue"/>
+            </a:endParaRPr>
+          </a:p>
+          <a:p>
+            <a:pPr marL="457200" indent="-457200" fontAlgn="base">
+              <a:buFont typeface="Arial" panose="020B0604020202020204" pitchFamily="34" charset="0"/>
+              <a:buChar char="•"/>
+            </a:pPr>
+            <a:endParaRPr lang="en-US" sz="3200" kern="1200" dirty="0">
+              <a:solidFill>
+                <a:schemeClr val="tx1"/>
+              </a:solidFill>
+              <a:latin typeface="Calibri" panose="020F0502020204030204" pitchFamily="34" charset="0"/>
+              <a:ea typeface="Helvetica Neue"/>
+              <a:cs typeface="Calibri" panose="020F0502020204030204" pitchFamily="34" charset="0"/>
+              <a:sym typeface="Helvetica Neue"/>
+            </a:endParaRPr>
+          </a:p>
+          <a:p>
+            <a:pPr marL="457200" indent="-457200" fontAlgn="base">
+              <a:buFont typeface="Arial" panose="020B0604020202020204" pitchFamily="34" charset="0"/>
+              <a:buChar char="•"/>
+            </a:pPr>
+            <a:endParaRPr lang="en-US" sz="3200" kern="1200" dirty="0">
+              <a:solidFill>
+                <a:schemeClr val="tx1"/>
+              </a:solidFill>
+              <a:latin typeface="Calibri" panose="020F0502020204030204" pitchFamily="34" charset="0"/>
+              <a:ea typeface="Helvetica Neue"/>
+              <a:cs typeface="Calibri" panose="020F0502020204030204" pitchFamily="34" charset="0"/>
+              <a:sym typeface="Helvetica Neue"/>
+            </a:endParaRPr>
+          </a:p>
+          <a:p>
+            <a:pPr marL="457200" indent="-457200" fontAlgn="base">
+              <a:buFont typeface="Arial" panose="020B0604020202020204" pitchFamily="34" charset="0"/>
+              <a:buChar char="•"/>
+            </a:pPr>
+            <a:endParaRPr lang="en-US" sz="3200" kern="1200" dirty="0">
+              <a:solidFill>
+                <a:schemeClr val="tx1"/>
+              </a:solidFill>
+              <a:latin typeface="Calibri" panose="020F0502020204030204" pitchFamily="34" charset="0"/>
+              <a:ea typeface="Helvetica Neue"/>
+              <a:cs typeface="Calibri" panose="020F0502020204030204" pitchFamily="34" charset="0"/>
+              <a:sym typeface="Helvetica Neue"/>
+            </a:endParaRPr>
+          </a:p>
+          <a:p>
+            <a:pPr marL="457200" indent="-457200" fontAlgn="base">
+              <a:buFont typeface="Arial" panose="020B0604020202020204" pitchFamily="34" charset="0"/>
+              <a:buChar char="•"/>
+            </a:pPr>
+            <a:endParaRPr lang="en-US" sz="3200" kern="1200" dirty="0">
+              <a:solidFill>
+                <a:schemeClr val="tx1"/>
+              </a:solidFill>
+              <a:latin typeface="Calibri" panose="020F0502020204030204" pitchFamily="34" charset="0"/>
+              <a:ea typeface="Helvetica Neue"/>
+              <a:cs typeface="Calibri" panose="020F0502020204030204" pitchFamily="34" charset="0"/>
+              <a:sym typeface="Helvetica Neue"/>
+            </a:endParaRPr>
+          </a:p>
+          <a:p>
+            <a:pPr marL="457200" indent="-457200" fontAlgn="base">
+              <a:buFont typeface="Arial" panose="020B0604020202020204" pitchFamily="34" charset="0"/>
+              <a:buChar char="•"/>
+            </a:pPr>
+            <a:endParaRPr lang="en-US" sz="3200" kern="1200" dirty="0">
+              <a:solidFill>
+                <a:schemeClr val="tx1"/>
+              </a:solidFill>
+              <a:latin typeface="Calibri" panose="020F0502020204030204" pitchFamily="34" charset="0"/>
+              <a:ea typeface="Helvetica Neue"/>
+              <a:cs typeface="Calibri" panose="020F0502020204030204" pitchFamily="34" charset="0"/>
+              <a:sym typeface="Helvetica Neue"/>
+            </a:endParaRPr>
+          </a:p>
+          <a:p>
+            <a:pPr marL="457200" indent="-457200" fontAlgn="base">
+              <a:buFont typeface="Arial" panose="020B0604020202020204" pitchFamily="34" charset="0"/>
+              <a:buChar char="•"/>
+            </a:pPr>
+            <a:endParaRPr lang="en-US" sz="3200" kern="1200" dirty="0">
+              <a:solidFill>
+                <a:schemeClr val="tx1"/>
+              </a:solidFill>
+              <a:latin typeface="Calibri" panose="020F0502020204030204" pitchFamily="34" charset="0"/>
+              <a:ea typeface="Helvetica Neue"/>
+              <a:cs typeface="Calibri" panose="020F0502020204030204" pitchFamily="34" charset="0"/>
+              <a:sym typeface="Helvetica Neue"/>
+            </a:endParaRPr>
+          </a:p>
+          <a:p>
+            <a:pPr marL="457200" indent="-457200" fontAlgn="base">
+              <a:buFont typeface="Arial" panose="020B0604020202020204" pitchFamily="34" charset="0"/>
+              <a:buChar char="•"/>
+            </a:pPr>
+            <a:endParaRPr lang="en-US" sz="3200" kern="1200" dirty="0">
+              <a:solidFill>
+                <a:schemeClr val="tx1"/>
+              </a:solidFill>
+              <a:latin typeface="Calibri" panose="020F0502020204030204" pitchFamily="34" charset="0"/>
+              <a:ea typeface="Helvetica Neue"/>
+              <a:cs typeface="Calibri" panose="020F0502020204030204" pitchFamily="34" charset="0"/>
+              <a:sym typeface="Helvetica Neue"/>
+            </a:endParaRPr>
+          </a:p>
+          <a:p>
+            <a:pPr marL="457200" indent="-457200" fontAlgn="base">
+              <a:buFont typeface="Arial" panose="020B0604020202020204" pitchFamily="34" charset="0"/>
+              <a:buChar char="•"/>
+            </a:pPr>
+            <a:endParaRPr lang="en-US" sz="3200" kern="1200" dirty="0">
+              <a:solidFill>
+                <a:schemeClr val="tx1"/>
+              </a:solidFill>
+              <a:latin typeface="Calibri" panose="020F0502020204030204" pitchFamily="34" charset="0"/>
+              <a:ea typeface="Helvetica Neue"/>
+              <a:cs typeface="Calibri" panose="020F0502020204030204" pitchFamily="34" charset="0"/>
+              <a:sym typeface="Helvetica Neue"/>
+            </a:endParaRPr>
+          </a:p>
+          <a:p>
+            <a:pPr marL="457200" indent="-457200" fontAlgn="base">
+              <a:buFont typeface="Arial" panose="020B0604020202020204" pitchFamily="34" charset="0"/>
+              <a:buChar char="•"/>
+            </a:pPr>
+            <a:endParaRPr lang="en-US" sz="3200" kern="1200" dirty="0">
+              <a:solidFill>
+                <a:schemeClr val="tx1"/>
+              </a:solidFill>
+              <a:latin typeface="Calibri" panose="020F0502020204030204" pitchFamily="34" charset="0"/>
+              <a:ea typeface="Helvetica Neue"/>
+              <a:cs typeface="Calibri" panose="020F0502020204030204" pitchFamily="34" charset="0"/>
+              <a:sym typeface="Helvetica Neue"/>
+            </a:endParaRPr>
+          </a:p>
+          <a:p>
+            <a:pPr marL="457200" indent="-457200" fontAlgn="base">
+              <a:buFont typeface="Arial" panose="020B0604020202020204" pitchFamily="34" charset="0"/>
+              <a:buChar char="•"/>
+            </a:pPr>
+            <a:endParaRPr lang="en-US" sz="3200" kern="1200" dirty="0">
+              <a:solidFill>
+                <a:schemeClr val="tx1"/>
+              </a:solidFill>
+              <a:latin typeface="Calibri" panose="020F0502020204030204" pitchFamily="34" charset="0"/>
+              <a:ea typeface="Helvetica Neue"/>
+              <a:cs typeface="Calibri" panose="020F0502020204030204" pitchFamily="34" charset="0"/>
+              <a:sym typeface="Helvetica Neue"/>
+            </a:endParaRPr>
+          </a:p>
+          <a:p>
+            <a:pPr marL="457200" indent="-457200" fontAlgn="base">
+              <a:buFont typeface="Arial" panose="020B0604020202020204" pitchFamily="34" charset="0"/>
+              <a:buChar char="•"/>
+            </a:pPr>
+            <a:endParaRPr lang="en-US" sz="3200" kern="1200" dirty="0">
+              <a:solidFill>
+                <a:schemeClr val="tx1"/>
+              </a:solidFill>
+              <a:latin typeface="Calibri" panose="020F0502020204030204" pitchFamily="34" charset="0"/>
+              <a:ea typeface="Helvetica Neue"/>
+              <a:cs typeface="Calibri" panose="020F0502020204030204" pitchFamily="34" charset="0"/>
+              <a:sym typeface="Helvetica Neue"/>
+            </a:endParaRPr>
+          </a:p>
+          <a:p>
+            <a:pPr marL="457200" indent="-457200" fontAlgn="base">
+              <a:buFont typeface="Arial" panose="020B0604020202020204" pitchFamily="34" charset="0"/>
+              <a:buChar char="•"/>
+            </a:pPr>
+            <a:endParaRPr lang="en-US" sz="3200" kern="1200" dirty="0">
+              <a:solidFill>
+                <a:schemeClr val="tx1"/>
+              </a:solidFill>
+              <a:latin typeface="Calibri" panose="020F0502020204030204" pitchFamily="34" charset="0"/>
+              <a:ea typeface="Helvetica Neue"/>
+              <a:cs typeface="Calibri" panose="020F0502020204030204" pitchFamily="34" charset="0"/>
+              <a:sym typeface="Helvetica Neue"/>
+            </a:endParaRPr>
+          </a:p>
+          <a:p>
+            <a:pPr marL="457200" indent="-457200" fontAlgn="base">
+              <a:buFont typeface="Arial" panose="020B0604020202020204" pitchFamily="34" charset="0"/>
+              <a:buChar char="•"/>
+            </a:pPr>
+            <a:endParaRPr lang="en-US" sz="3200" kern="1200" dirty="0">
+              <a:solidFill>
+                <a:schemeClr val="tx1"/>
+              </a:solidFill>
+              <a:latin typeface="Calibri" panose="020F0502020204030204" pitchFamily="34" charset="0"/>
+              <a:ea typeface="Helvetica Neue"/>
+              <a:cs typeface="Calibri" panose="020F0502020204030204" pitchFamily="34" charset="0"/>
+              <a:sym typeface="Helvetica Neue"/>
+            </a:endParaRPr>
+          </a:p>
+          <a:p>
+            <a:pPr marL="457200" indent="-457200" fontAlgn="base">
+              <a:buFont typeface="Arial" panose="020B0604020202020204" pitchFamily="34" charset="0"/>
+              <a:buChar char="•"/>
+            </a:pPr>
+            <a:endParaRPr lang="en-US" sz="3200" kern="1200" dirty="0">
+              <a:solidFill>
+                <a:schemeClr val="tx1"/>
+              </a:solidFill>
+              <a:latin typeface="Calibri" panose="020F0502020204030204" pitchFamily="34" charset="0"/>
+              <a:ea typeface="Helvetica Neue"/>
+              <a:cs typeface="Calibri" panose="020F0502020204030204" pitchFamily="34" charset="0"/>
+              <a:sym typeface="Helvetica Neue"/>
+            </a:endParaRPr>
+          </a:p>
+          <a:p>
+            <a:pPr marL="457200" indent="-457200" fontAlgn="base">
+              <a:buFont typeface="Arial" panose="020B0604020202020204" pitchFamily="34" charset="0"/>
+              <a:buChar char="•"/>
+            </a:pPr>
+            <a:endParaRPr lang="en-US" sz="3200" kern="1200" dirty="0">
+              <a:solidFill>
+                <a:schemeClr val="tx1"/>
+              </a:solidFill>
+              <a:latin typeface="Calibri" panose="020F0502020204030204" pitchFamily="34" charset="0"/>
+              <a:ea typeface="Helvetica Neue"/>
+              <a:cs typeface="Calibri" panose="020F0502020204030204" pitchFamily="34" charset="0"/>
+              <a:sym typeface="Helvetica Neue"/>
+            </a:endParaRPr>
+          </a:p>
+          <a:p>
+            <a:pPr marL="457200" indent="-457200" fontAlgn="base">
+              <a:buFont typeface="Arial" panose="020B0604020202020204" pitchFamily="34" charset="0"/>
+              <a:buChar char="•"/>
+            </a:pPr>
+            <a:endParaRPr lang="en-US" sz="3200" kern="1200" dirty="0">
+              <a:solidFill>
+                <a:schemeClr val="tx1"/>
+              </a:solidFill>
+              <a:latin typeface="Calibri" panose="020F0502020204030204" pitchFamily="34" charset="0"/>
+              <a:ea typeface="Helvetica Neue"/>
+              <a:cs typeface="Calibri" panose="020F0502020204030204" pitchFamily="34" charset="0"/>
+              <a:sym typeface="Helvetica Neue"/>
+            </a:endParaRPr>
+          </a:p>
+          <a:p>
+            <a:pPr marL="457200" indent="-457200" fontAlgn="base">
+              <a:buFont typeface="Arial" panose="020B0604020202020204" pitchFamily="34" charset="0"/>
+              <a:buChar char="•"/>
+            </a:pPr>
+            <a:endParaRPr lang="en-US" sz="3200" kern="1200" dirty="0">
+              <a:solidFill>
+                <a:schemeClr val="tx1"/>
+              </a:solidFill>
+              <a:latin typeface="Calibri" panose="020F0502020204030204" pitchFamily="34" charset="0"/>
+              <a:ea typeface="Helvetica Neue"/>
+              <a:cs typeface="Calibri" panose="020F0502020204030204" pitchFamily="34" charset="0"/>
+              <a:sym typeface="Helvetica Neue"/>
+            </a:endParaRPr>
+          </a:p>
+          <a:p>
+            <a:pPr marL="457200" indent="-457200" fontAlgn="base">
+              <a:buFont typeface="Arial" panose="020B0604020202020204" pitchFamily="34" charset="0"/>
+              <a:buChar char="•"/>
+            </a:pPr>
+            <a:endParaRPr lang="en-US" sz="3200" kern="1200" dirty="0">
+              <a:solidFill>
+                <a:schemeClr val="tx1"/>
+              </a:solidFill>
+              <a:latin typeface="Calibri" panose="020F0502020204030204" pitchFamily="34" charset="0"/>
+              <a:ea typeface="Helvetica Neue"/>
+              <a:cs typeface="Calibri" panose="020F0502020204030204" pitchFamily="34" charset="0"/>
+              <a:sym typeface="Helvetica Neue"/>
+            </a:endParaRPr>
+          </a:p>
+          <a:p>
+            <a:pPr marL="457200" indent="-457200" fontAlgn="base">
+              <a:buFont typeface="Arial" panose="020B0604020202020204" pitchFamily="34" charset="0"/>
+              <a:buChar char="•"/>
+            </a:pPr>
+            <a:r>
+              <a:rPr lang="en-US" sz="3200">
+                <a:solidFill>
+                  <a:schemeClr val="dk1"/>
+                </a:solidFill>
+                <a:latin typeface="Calibri" panose="020F0502020204030204" pitchFamily="34" charset="0"/>
+                <a:ea typeface="Helvetica Neue"/>
+                <a:cs typeface="Calibri" panose="020F0502020204030204" pitchFamily="34" charset="0"/>
+                <a:sym typeface="Helvetica Neue"/>
+              </a:rPr>
+              <a:t>Music </a:t>
+            </a:r>
+            <a:r>
+              <a:rPr lang="en-US" sz="3200" kern="1200">
+                <a:solidFill>
+                  <a:schemeClr val="tx1"/>
+                </a:solidFill>
+                <a:latin typeface="Calibri" panose="020F0502020204030204" pitchFamily="34" charset="0"/>
+                <a:cs typeface="Calibri" panose="020F0502020204030204" pitchFamily="34" charset="0"/>
+              </a:rPr>
+              <a:t>music first heard during adolescence (ages 12-18) showed functional connectivity with auditory (MTG, STG) and reward areas (ventral &amp; dorsal striatum, insula, orbitofrontal cortex)</a:t>
+            </a:r>
+            <a:endParaRPr lang="en-US" sz="3200">
               <a:solidFill>
                 <a:schemeClr val="dk1"/>
               </a:solidFill>
